--- a/3-minute-thesis/Using game theory to model healthcare behaviours.pptx
+++ b/3-minute-thesis/Using game theory to model healthcare behaviours.pptx
@@ -9,8 +9,9 @@
     <p:sldId id="257" r:id="rId3"/>
     <p:sldId id="260" r:id="rId4"/>
     <p:sldId id="258" r:id="rId5"/>
-    <p:sldId id="259" r:id="rId6"/>
-    <p:sldId id="261" r:id="rId7"/>
+    <p:sldId id="262" r:id="rId6"/>
+    <p:sldId id="259" r:id="rId7"/>
+    <p:sldId id="261" r:id="rId8"/>
   </p:sldIdLst>
   <p:sldSz cx="12192000" cy="6858000"/>
   <p:notesSz cx="6858000" cy="9144000"/>
@@ -586,7 +587,7 @@
           <a:p>
             <a:fld id="{EA0C0817-A112-4847-8014-A94B7D2A4EA3}" type="datetime1">
               <a:rPr lang="en-US" smtClean="0"/>
-              <a:t>3/13/2020</a:t>
+              <a:t>3/15/2020</a:t>
             </a:fld>
             <a:endParaRPr lang="en-US" dirty="0"/>
           </a:p>
@@ -788,7 +789,7 @@
           <a:p>
             <a:fld id="{134F40B7-36AB-4376-BE14-EF7004D79BB9}" type="datetime1">
               <a:rPr lang="en-US" smtClean="0"/>
-              <a:t>3/13/2020</a:t>
+              <a:t>3/15/2020</a:t>
             </a:fld>
             <a:endParaRPr lang="en-US"/>
           </a:p>
@@ -968,7 +969,7 @@
           <a:p>
             <a:fld id="{FF87CAB8-DCAE-46A5-AADA-B3FAD11A54E0}" type="datetime1">
               <a:rPr lang="en-US" smtClean="0"/>
-              <a:t>3/13/2020</a:t>
+              <a:t>3/15/2020</a:t>
             </a:fld>
             <a:endParaRPr lang="en-US"/>
           </a:p>
@@ -1138,7 +1139,7 @@
           <a:p>
             <a:fld id="{7332B432-ACDA-4023-A761-2BAB76577B62}" type="datetime1">
               <a:rPr lang="en-US" smtClean="0"/>
-              <a:t>3/13/2020</a:t>
+              <a:t>3/15/2020</a:t>
             </a:fld>
             <a:endParaRPr lang="en-US"/>
           </a:p>
@@ -1737,7 +1738,7 @@
           <a:p>
             <a:fld id="{D9C646AA-F36E-4540-911D-FFFC0A0EF24A}" type="datetime1">
               <a:rPr lang="en-US" smtClean="0"/>
-              <a:t>3/13/2020</a:t>
+              <a:t>3/15/2020</a:t>
             </a:fld>
             <a:endParaRPr lang="en-US" dirty="0"/>
           </a:p>
@@ -2057,7 +2058,7 @@
           <a:p>
             <a:fld id="{69186D26-FA5F-4637-B602-B7C2DC34CFD4}" type="datetime1">
               <a:rPr lang="en-US" smtClean="0"/>
-              <a:t>3/13/2020</a:t>
+              <a:t>3/15/2020</a:t>
             </a:fld>
             <a:endParaRPr lang="en-US"/>
           </a:p>
@@ -2492,7 +2493,7 @@
           <a:p>
             <a:fld id="{8A7F15D8-96D1-4781-BC50-CA8A088B2FE4}" type="datetime1">
               <a:rPr lang="en-US" smtClean="0"/>
-              <a:t>3/13/2020</a:t>
+              <a:t>3/15/2020</a:t>
             </a:fld>
             <a:endParaRPr lang="en-US"/>
           </a:p>
@@ -2610,7 +2611,7 @@
           <a:p>
             <a:fld id="{F9A96C99-B8F8-4528-BD05-0E16E943DC09}" type="datetime1">
               <a:rPr lang="en-US" smtClean="0"/>
-              <a:t>3/13/2020</a:t>
+              <a:t>3/15/2020</a:t>
             </a:fld>
             <a:endParaRPr lang="en-US"/>
           </a:p>
@@ -2705,7 +2706,7 @@
           <a:p>
             <a:fld id="{03636942-C211-4B28-8DBD-C953E00AF71B}" type="datetime1">
               <a:rPr lang="en-US" smtClean="0"/>
-              <a:t>3/13/2020</a:t>
+              <a:t>3/15/2020</a:t>
             </a:fld>
             <a:endParaRPr lang="en-US"/>
           </a:p>
@@ -3122,7 +3123,7 @@
           <a:p>
             <a:fld id="{7E8D12A6-918A-48BD-8CB9-CA713993B0EA}" type="datetime1">
               <a:rPr lang="en-US" smtClean="0"/>
-              <a:t>3/13/2020</a:t>
+              <a:t>3/15/2020</a:t>
             </a:fld>
             <a:endParaRPr lang="en-US"/>
           </a:p>
@@ -3384,7 +3385,7 @@
             <a:fld id="{E778CE86-875F-4587-BCF6-FA054AFC0D53}" type="datetime1">
               <a:rPr lang="en-US" smtClean="0"/>
               <a:pPr/>
-              <a:t>3/13/2020</a:t>
+              <a:t>3/15/2020</a:t>
             </a:fld>
             <a:endParaRPr lang="en-US" dirty="0"/>
           </a:p>
@@ -3900,7 +3901,7 @@
           <a:p>
             <a:fld id="{F6FA2B21-3FCD-4721-B95C-427943F61125}" type="datetime1">
               <a:rPr lang="en-US" smtClean="0"/>
-              <a:t>3/13/2020</a:t>
+              <a:t>3/15/2020</a:t>
             </a:fld>
             <a:endParaRPr lang="en-US"/>
           </a:p>
@@ -6426,6 +6427,2507 @@
 <file path=ppt/slides/slide5.xml><?xml version="1.0" encoding="utf-8"?>
 <p:sld xmlns:a="http://schemas.openxmlformats.org/drawingml/2006/main" xmlns:r="http://schemas.openxmlformats.org/officeDocument/2006/relationships" xmlns:p="http://schemas.openxmlformats.org/presentationml/2006/main">
   <p:cSld>
+    <p:spTree>
+      <p:nvGrpSpPr>
+        <p:cNvPr id="1" name=""/>
+        <p:cNvGrpSpPr/>
+        <p:nvPr/>
+      </p:nvGrpSpPr>
+      <p:grpSpPr>
+        <a:xfrm>
+          <a:off x="0" y="0"/>
+          <a:ext cx="0" cy="0"/>
+          <a:chOff x="0" y="0"/>
+          <a:chExt cx="0" cy="0"/>
+        </a:xfrm>
+      </p:grpSpPr>
+      <p:sp>
+        <p:nvSpPr>
+          <p:cNvPr id="2" name="Title 1">
+            <a:extLst>
+              <a:ext uri="{FF2B5EF4-FFF2-40B4-BE49-F238E27FC236}">
+                <a16:creationId xmlns:a16="http://schemas.microsoft.com/office/drawing/2014/main" id="{3A1BFECE-C364-4B6F-A541-C3ECC7ED6293}"/>
+              </a:ext>
+            </a:extLst>
+          </p:cNvPr>
+          <p:cNvSpPr>
+            <a:spLocks noGrp="1"/>
+          </p:cNvSpPr>
+          <p:nvPr>
+            <p:ph type="title"/>
+          </p:nvPr>
+        </p:nvSpPr>
+        <p:spPr/>
+        <p:txBody>
+          <a:bodyPr>
+            <a:normAutofit/>
+          </a:bodyPr>
+          <a:lstStyle/>
+          <a:p>
+            <a:r>
+              <a:rPr lang="en-GB" dirty="0"/>
+              <a:t>Gaming Formulation</a:t>
+            </a:r>
+          </a:p>
+        </p:txBody>
+      </p:sp>
+      <p:graphicFrame>
+        <p:nvGraphicFramePr>
+          <p:cNvPr id="4" name="Table 4">
+            <a:extLst>
+              <a:ext uri="{FF2B5EF4-FFF2-40B4-BE49-F238E27FC236}">
+                <a16:creationId xmlns:a16="http://schemas.microsoft.com/office/drawing/2014/main" id="{994B5481-AA69-406C-A487-6A8D96D7D823}"/>
+              </a:ext>
+            </a:extLst>
+          </p:cNvPr>
+          <p:cNvGraphicFramePr>
+            <a:graphicFrameLocks noGrp="1"/>
+          </p:cNvGraphicFramePr>
+          <p:nvPr>
+            <p:ph idx="1"/>
+            <p:extLst>
+              <p:ext uri="{D42A27DB-BD31-4B8C-83A1-F6EECF244321}">
+                <p14:modId xmlns:p14="http://schemas.microsoft.com/office/powerpoint/2010/main" val="593651844"/>
+              </p:ext>
+            </p:extLst>
+          </p:nvPr>
+        </p:nvGraphicFramePr>
+        <p:xfrm>
+          <a:off x="1066800" y="3240348"/>
+          <a:ext cx="2723961" cy="2690968"/>
+        </p:xfrm>
+        <a:graphic>
+          <a:graphicData uri="http://schemas.openxmlformats.org/drawingml/2006/table">
+            <a:tbl>
+              <a:tblPr firstRow="1" bandRow="1">
+                <a:tableStyleId>{5C22544A-7EE6-4342-B048-85BDC9FD1C3A}</a:tableStyleId>
+              </a:tblPr>
+              <a:tblGrid>
+                <a:gridCol w="454421">
+                  <a:extLst>
+                    <a:ext uri="{9D8B030D-6E8A-4147-A177-3AD203B41FA5}">
+                      <a16:colId xmlns:a16="http://schemas.microsoft.com/office/drawing/2014/main" val="2413511879"/>
+                    </a:ext>
+                  </a:extLst>
+                </a:gridCol>
+                <a:gridCol w="453908">
+                  <a:extLst>
+                    <a:ext uri="{9D8B030D-6E8A-4147-A177-3AD203B41FA5}">
+                      <a16:colId xmlns:a16="http://schemas.microsoft.com/office/drawing/2014/main" val="2859251337"/>
+                    </a:ext>
+                  </a:extLst>
+                </a:gridCol>
+                <a:gridCol w="453908">
+                  <a:extLst>
+                    <a:ext uri="{9D8B030D-6E8A-4147-A177-3AD203B41FA5}">
+                      <a16:colId xmlns:a16="http://schemas.microsoft.com/office/drawing/2014/main" val="987257695"/>
+                    </a:ext>
+                  </a:extLst>
+                </a:gridCol>
+                <a:gridCol w="453908">
+                  <a:extLst>
+                    <a:ext uri="{9D8B030D-6E8A-4147-A177-3AD203B41FA5}">
+                      <a16:colId xmlns:a16="http://schemas.microsoft.com/office/drawing/2014/main" val="1243103271"/>
+                    </a:ext>
+                  </a:extLst>
+                </a:gridCol>
+                <a:gridCol w="453908">
+                  <a:extLst>
+                    <a:ext uri="{9D8B030D-6E8A-4147-A177-3AD203B41FA5}">
+                      <a16:colId xmlns:a16="http://schemas.microsoft.com/office/drawing/2014/main" val="460903646"/>
+                    </a:ext>
+                  </a:extLst>
+                </a:gridCol>
+                <a:gridCol w="453908">
+                  <a:extLst>
+                    <a:ext uri="{9D8B030D-6E8A-4147-A177-3AD203B41FA5}">
+                      <a16:colId xmlns:a16="http://schemas.microsoft.com/office/drawing/2014/main" val="428705969"/>
+                    </a:ext>
+                  </a:extLst>
+                </a:gridCol>
+              </a:tblGrid>
+              <a:tr h="384424">
+                <a:tc gridSpan="6">
+                  <a:txBody>
+                    <a:bodyPr/>
+                    <a:lstStyle/>
+                    <a:p>
+                      <a:pPr algn="ctr"/>
+                      <a:r>
+                        <a:rPr lang="en-GB" b="1" dirty="0"/>
+                        <a:t>Hospital A utilities</a:t>
+                      </a:r>
+                    </a:p>
+                  </a:txBody>
+                  <a:tcPr anchor="ctr"/>
+                </a:tc>
+                <a:tc hMerge="1">
+                  <a:txBody>
+                    <a:bodyPr/>
+                    <a:lstStyle/>
+                    <a:p>
+                      <a:endParaRPr lang="en-GB"/>
+                    </a:p>
+                  </a:txBody>
+                  <a:tcPr/>
+                </a:tc>
+                <a:tc hMerge="1">
+                  <a:txBody>
+                    <a:bodyPr/>
+                    <a:lstStyle/>
+                    <a:p>
+                      <a:endParaRPr lang="en-GB" dirty="0"/>
+                    </a:p>
+                  </a:txBody>
+                  <a:tcPr/>
+                </a:tc>
+                <a:tc hMerge="1">
+                  <a:txBody>
+                    <a:bodyPr/>
+                    <a:lstStyle/>
+                    <a:p>
+                      <a:endParaRPr lang="en-GB" dirty="0"/>
+                    </a:p>
+                  </a:txBody>
+                  <a:tcPr/>
+                </a:tc>
+                <a:tc hMerge="1">
+                  <a:txBody>
+                    <a:bodyPr/>
+                    <a:lstStyle/>
+                    <a:p>
+                      <a:endParaRPr lang="en-GB"/>
+                    </a:p>
+                  </a:txBody>
+                  <a:tcPr/>
+                </a:tc>
+                <a:tc hMerge="1">
+                  <a:txBody>
+                    <a:bodyPr/>
+                    <a:lstStyle/>
+                    <a:p>
+                      <a:endParaRPr lang="en-GB"/>
+                    </a:p>
+                  </a:txBody>
+                  <a:tcPr/>
+                </a:tc>
+                <a:extLst>
+                  <a:ext uri="{0D108BD9-81ED-4DB2-BD59-A6C34878D82A}">
+                    <a16:rowId xmlns:a16="http://schemas.microsoft.com/office/drawing/2014/main" val="3641786812"/>
+                  </a:ext>
+                </a:extLst>
+              </a:tr>
+              <a:tr h="384424">
+                <a:tc>
+                  <a:txBody>
+                    <a:bodyPr/>
+                    <a:lstStyle/>
+                    <a:p>
+                      <a:pPr algn="ctr"/>
+                      <a:r>
+                        <a:rPr lang="en-GB" sz="1200" b="1" dirty="0"/>
+                        <a:t>A</a:t>
+                      </a:r>
+                      <a:r>
+                        <a:rPr lang="en-GB" sz="1200" b="1" baseline="-25000" dirty="0"/>
+                        <a:t>1,1</a:t>
+                      </a:r>
+                      <a:endParaRPr lang="en-GB" sz="1200" b="1" dirty="0"/>
+                    </a:p>
+                  </a:txBody>
+                  <a:tcPr anchor="ctr"/>
+                </a:tc>
+                <a:tc>
+                  <a:txBody>
+                    <a:bodyPr/>
+                    <a:lstStyle/>
+                    <a:p>
+                      <a:r>
+                        <a:rPr lang="en-GB" sz="1200" b="1" dirty="0"/>
+                        <a:t>A</a:t>
+                      </a:r>
+                      <a:r>
+                        <a:rPr lang="en-GB" sz="1200" b="1" baseline="-25000" dirty="0"/>
+                        <a:t>1,2</a:t>
+                      </a:r>
+                      <a:endParaRPr lang="en-GB" sz="1200" b="1" dirty="0"/>
+                    </a:p>
+                  </a:txBody>
+                  <a:tcPr anchor="ctr"/>
+                </a:tc>
+                <a:tc>
+                  <a:txBody>
+                    <a:bodyPr/>
+                    <a:lstStyle/>
+                    <a:p>
+                      <a:pPr marL="0" marR="0" lvl="0" indent="0" algn="l" defTabSz="914400" rtl="0" eaLnBrk="1" fontAlgn="auto" latinLnBrk="0" hangingPunct="1">
+                        <a:lnSpc>
+                          <a:spcPct val="100000"/>
+                        </a:lnSpc>
+                        <a:spcBef>
+                          <a:spcPts val="0"/>
+                        </a:spcBef>
+                        <a:spcAft>
+                          <a:spcPts val="0"/>
+                        </a:spcAft>
+                        <a:buClrTx/>
+                        <a:buSzTx/>
+                        <a:buFontTx/>
+                        <a:buNone/>
+                        <a:tabLst/>
+                        <a:defRPr/>
+                      </a:pPr>
+                      <a:r>
+                        <a:rPr lang="en-GB" sz="1200" b="1" dirty="0"/>
+                        <a:t>A</a:t>
+                      </a:r>
+                      <a:r>
+                        <a:rPr lang="en-GB" sz="1200" b="1" baseline="-25000" dirty="0"/>
+                        <a:t>1,3</a:t>
+                      </a:r>
+                      <a:endParaRPr lang="en-GB" sz="1200" b="1" dirty="0"/>
+                    </a:p>
+                  </a:txBody>
+                  <a:tcPr anchor="ctr"/>
+                </a:tc>
+                <a:tc>
+                  <a:txBody>
+                    <a:bodyPr/>
+                    <a:lstStyle/>
+                    <a:p>
+                      <a:r>
+                        <a:rPr lang="en-GB" sz="1200" b="1" dirty="0"/>
+                        <a:t>A</a:t>
+                      </a:r>
+                      <a:r>
+                        <a:rPr lang="en-GB" sz="1200" b="1" baseline="-25000" dirty="0"/>
+                        <a:t>1,4</a:t>
+                      </a:r>
+                      <a:endParaRPr lang="en-GB" sz="1200" b="1" dirty="0"/>
+                    </a:p>
+                  </a:txBody>
+                  <a:tcPr anchor="ctr"/>
+                </a:tc>
+                <a:tc>
+                  <a:txBody>
+                    <a:bodyPr/>
+                    <a:lstStyle/>
+                    <a:p>
+                      <a:r>
+                        <a:rPr lang="en-GB" sz="1200" b="1" dirty="0"/>
+                        <a:t>A</a:t>
+                      </a:r>
+                      <a:r>
+                        <a:rPr lang="en-GB" sz="1200" b="1" baseline="-25000" dirty="0"/>
+                        <a:t>1,5</a:t>
+                      </a:r>
+                      <a:endParaRPr lang="en-GB" sz="1200" b="1" dirty="0"/>
+                    </a:p>
+                  </a:txBody>
+                  <a:tcPr anchor="ctr"/>
+                </a:tc>
+                <a:tc>
+                  <a:txBody>
+                    <a:bodyPr/>
+                    <a:lstStyle/>
+                    <a:p>
+                      <a:r>
+                        <a:rPr lang="en-GB" sz="1200" b="1" dirty="0"/>
+                        <a:t>A</a:t>
+                      </a:r>
+                      <a:r>
+                        <a:rPr lang="en-GB" sz="1200" b="1" baseline="-25000" dirty="0"/>
+                        <a:t>1,6</a:t>
+                      </a:r>
+                      <a:endParaRPr lang="en-GB" sz="1200" b="1" dirty="0"/>
+                    </a:p>
+                  </a:txBody>
+                  <a:tcPr anchor="ctr"/>
+                </a:tc>
+                <a:extLst>
+                  <a:ext uri="{0D108BD9-81ED-4DB2-BD59-A6C34878D82A}">
+                    <a16:rowId xmlns:a16="http://schemas.microsoft.com/office/drawing/2014/main" val="3055183025"/>
+                  </a:ext>
+                </a:extLst>
+              </a:tr>
+              <a:tr h="384424">
+                <a:tc>
+                  <a:txBody>
+                    <a:bodyPr/>
+                    <a:lstStyle/>
+                    <a:p>
+                      <a:r>
+                        <a:rPr lang="en-GB" sz="1200" b="1" dirty="0"/>
+                        <a:t>A</a:t>
+                      </a:r>
+                      <a:r>
+                        <a:rPr lang="en-GB" sz="1200" b="1" baseline="-25000" dirty="0"/>
+                        <a:t>2,1</a:t>
+                      </a:r>
+                      <a:endParaRPr lang="en-GB" sz="1200" b="1" dirty="0"/>
+                    </a:p>
+                  </a:txBody>
+                  <a:tcPr anchor="ctr"/>
+                </a:tc>
+                <a:tc>
+                  <a:txBody>
+                    <a:bodyPr/>
+                    <a:lstStyle/>
+                    <a:p>
+                      <a:r>
+                        <a:rPr lang="en-GB" sz="1200" b="1" dirty="0"/>
+                        <a:t>A</a:t>
+                      </a:r>
+                      <a:r>
+                        <a:rPr lang="en-GB" sz="1200" b="1" baseline="-25000" dirty="0"/>
+                        <a:t>2,2</a:t>
+                      </a:r>
+                      <a:endParaRPr lang="en-GB" sz="1200" b="1" dirty="0"/>
+                    </a:p>
+                  </a:txBody>
+                  <a:tcPr anchor="ctr"/>
+                </a:tc>
+                <a:tc>
+                  <a:txBody>
+                    <a:bodyPr/>
+                    <a:lstStyle/>
+                    <a:p>
+                      <a:r>
+                        <a:rPr lang="en-GB" sz="1200" b="1" dirty="0"/>
+                        <a:t>A</a:t>
+                      </a:r>
+                      <a:r>
+                        <a:rPr lang="en-GB" sz="1200" b="1" baseline="-25000" dirty="0"/>
+                        <a:t>2,3</a:t>
+                      </a:r>
+                      <a:endParaRPr lang="en-GB" sz="1200" b="1" dirty="0"/>
+                    </a:p>
+                  </a:txBody>
+                  <a:tcPr anchor="ctr"/>
+                </a:tc>
+                <a:tc>
+                  <a:txBody>
+                    <a:bodyPr/>
+                    <a:lstStyle/>
+                    <a:p>
+                      <a:r>
+                        <a:rPr lang="en-GB" sz="1200" b="1" dirty="0"/>
+                        <a:t>A</a:t>
+                      </a:r>
+                      <a:r>
+                        <a:rPr lang="en-GB" sz="1200" b="1" baseline="-25000" dirty="0"/>
+                        <a:t>2,4</a:t>
+                      </a:r>
+                      <a:endParaRPr lang="en-GB" sz="1200" b="1" dirty="0"/>
+                    </a:p>
+                  </a:txBody>
+                  <a:tcPr anchor="ctr"/>
+                </a:tc>
+                <a:tc>
+                  <a:txBody>
+                    <a:bodyPr/>
+                    <a:lstStyle/>
+                    <a:p>
+                      <a:r>
+                        <a:rPr lang="en-GB" sz="1200" b="1" dirty="0"/>
+                        <a:t>A</a:t>
+                      </a:r>
+                      <a:r>
+                        <a:rPr lang="en-GB" sz="1200" b="1" baseline="-25000" dirty="0"/>
+                        <a:t>2,5</a:t>
+                      </a:r>
+                      <a:endParaRPr lang="en-GB" sz="1200" b="1" dirty="0"/>
+                    </a:p>
+                  </a:txBody>
+                  <a:tcPr anchor="ctr"/>
+                </a:tc>
+                <a:tc>
+                  <a:txBody>
+                    <a:bodyPr/>
+                    <a:lstStyle/>
+                    <a:p>
+                      <a:r>
+                        <a:rPr lang="en-GB" sz="1200" b="1" dirty="0"/>
+                        <a:t>A</a:t>
+                      </a:r>
+                      <a:r>
+                        <a:rPr lang="en-GB" sz="1200" b="1" baseline="-25000" dirty="0"/>
+                        <a:t>2,6</a:t>
+                      </a:r>
+                      <a:endParaRPr lang="en-GB" sz="1200" b="1" dirty="0"/>
+                    </a:p>
+                  </a:txBody>
+                  <a:tcPr anchor="ctr"/>
+                </a:tc>
+                <a:extLst>
+                  <a:ext uri="{0D108BD9-81ED-4DB2-BD59-A6C34878D82A}">
+                    <a16:rowId xmlns:a16="http://schemas.microsoft.com/office/drawing/2014/main" val="1980303698"/>
+                  </a:ext>
+                </a:extLst>
+              </a:tr>
+              <a:tr h="384424">
+                <a:tc>
+                  <a:txBody>
+                    <a:bodyPr/>
+                    <a:lstStyle/>
+                    <a:p>
+                      <a:r>
+                        <a:rPr lang="en-GB" sz="1200" b="1" dirty="0"/>
+                        <a:t>A</a:t>
+                      </a:r>
+                      <a:r>
+                        <a:rPr lang="en-GB" sz="1200" b="1" baseline="-25000" dirty="0"/>
+                        <a:t>3,1</a:t>
+                      </a:r>
+                      <a:endParaRPr lang="en-GB" sz="1200" b="1" dirty="0"/>
+                    </a:p>
+                  </a:txBody>
+                  <a:tcPr anchor="ctr"/>
+                </a:tc>
+                <a:tc>
+                  <a:txBody>
+                    <a:bodyPr/>
+                    <a:lstStyle/>
+                    <a:p>
+                      <a:r>
+                        <a:rPr lang="en-GB" sz="1200" b="1" dirty="0"/>
+                        <a:t>A</a:t>
+                      </a:r>
+                      <a:r>
+                        <a:rPr lang="en-GB" sz="1200" b="1" baseline="-25000" dirty="0"/>
+                        <a:t>3,2</a:t>
+                      </a:r>
+                      <a:endParaRPr lang="en-GB" sz="1200" b="1" dirty="0"/>
+                    </a:p>
+                  </a:txBody>
+                  <a:tcPr anchor="ctr"/>
+                </a:tc>
+                <a:tc>
+                  <a:txBody>
+                    <a:bodyPr/>
+                    <a:lstStyle/>
+                    <a:p>
+                      <a:r>
+                        <a:rPr lang="en-GB" sz="1200" b="1" dirty="0"/>
+                        <a:t>A</a:t>
+                      </a:r>
+                      <a:r>
+                        <a:rPr lang="en-GB" sz="1200" b="1" baseline="-25000" dirty="0"/>
+                        <a:t>3,3</a:t>
+                      </a:r>
+                      <a:endParaRPr lang="en-GB" sz="1200" b="1" dirty="0"/>
+                    </a:p>
+                  </a:txBody>
+                  <a:tcPr anchor="ctr"/>
+                </a:tc>
+                <a:tc>
+                  <a:txBody>
+                    <a:bodyPr/>
+                    <a:lstStyle/>
+                    <a:p>
+                      <a:r>
+                        <a:rPr lang="en-GB" sz="1200" b="1" dirty="0"/>
+                        <a:t>A</a:t>
+                      </a:r>
+                      <a:r>
+                        <a:rPr lang="en-GB" sz="1200" b="1" baseline="-25000" dirty="0"/>
+                        <a:t>3,4</a:t>
+                      </a:r>
+                      <a:endParaRPr lang="en-GB" sz="1200" b="1" dirty="0"/>
+                    </a:p>
+                  </a:txBody>
+                  <a:tcPr anchor="ctr"/>
+                </a:tc>
+                <a:tc>
+                  <a:txBody>
+                    <a:bodyPr/>
+                    <a:lstStyle/>
+                    <a:p>
+                      <a:r>
+                        <a:rPr lang="en-GB" sz="1200" b="1" dirty="0"/>
+                        <a:t>A</a:t>
+                      </a:r>
+                      <a:r>
+                        <a:rPr lang="en-GB" sz="1200" b="1" baseline="-25000" dirty="0"/>
+                        <a:t>3,5</a:t>
+                      </a:r>
+                      <a:endParaRPr lang="en-GB" sz="1200" b="1" dirty="0"/>
+                    </a:p>
+                  </a:txBody>
+                  <a:tcPr anchor="ctr"/>
+                </a:tc>
+                <a:tc>
+                  <a:txBody>
+                    <a:bodyPr/>
+                    <a:lstStyle/>
+                    <a:p>
+                      <a:r>
+                        <a:rPr lang="en-GB" sz="1200" b="1" dirty="0"/>
+                        <a:t>A</a:t>
+                      </a:r>
+                      <a:r>
+                        <a:rPr lang="en-GB" sz="1200" b="1" baseline="-25000" dirty="0"/>
+                        <a:t>3,6</a:t>
+                      </a:r>
+                      <a:endParaRPr lang="en-GB" sz="1200" b="1" dirty="0"/>
+                    </a:p>
+                  </a:txBody>
+                  <a:tcPr anchor="ctr"/>
+                </a:tc>
+                <a:extLst>
+                  <a:ext uri="{0D108BD9-81ED-4DB2-BD59-A6C34878D82A}">
+                    <a16:rowId xmlns:a16="http://schemas.microsoft.com/office/drawing/2014/main" val="704947331"/>
+                  </a:ext>
+                </a:extLst>
+              </a:tr>
+              <a:tr h="384424">
+                <a:tc>
+                  <a:txBody>
+                    <a:bodyPr/>
+                    <a:lstStyle/>
+                    <a:p>
+                      <a:r>
+                        <a:rPr lang="en-GB" sz="1200" b="1" dirty="0"/>
+                        <a:t>A</a:t>
+                      </a:r>
+                      <a:r>
+                        <a:rPr lang="en-GB" sz="1200" b="1" baseline="-25000" dirty="0"/>
+                        <a:t>4,1</a:t>
+                      </a:r>
+                      <a:endParaRPr lang="en-GB" sz="1200" b="1" dirty="0"/>
+                    </a:p>
+                  </a:txBody>
+                  <a:tcPr anchor="ctr"/>
+                </a:tc>
+                <a:tc>
+                  <a:txBody>
+                    <a:bodyPr/>
+                    <a:lstStyle/>
+                    <a:p>
+                      <a:r>
+                        <a:rPr lang="en-GB" sz="1200" b="1" dirty="0"/>
+                        <a:t>A</a:t>
+                      </a:r>
+                      <a:r>
+                        <a:rPr lang="en-GB" sz="1200" b="1" baseline="-25000" dirty="0"/>
+                        <a:t>4,2</a:t>
+                      </a:r>
+                      <a:endParaRPr lang="en-GB" sz="1200" b="1" dirty="0"/>
+                    </a:p>
+                  </a:txBody>
+                  <a:tcPr anchor="ctr"/>
+                </a:tc>
+                <a:tc>
+                  <a:txBody>
+                    <a:bodyPr/>
+                    <a:lstStyle/>
+                    <a:p>
+                      <a:r>
+                        <a:rPr lang="en-GB" sz="1200" b="1" dirty="0"/>
+                        <a:t>A</a:t>
+                      </a:r>
+                      <a:r>
+                        <a:rPr lang="en-GB" sz="1200" b="1" baseline="-25000" dirty="0"/>
+                        <a:t>4,3</a:t>
+                      </a:r>
+                      <a:endParaRPr lang="en-GB" sz="1200" b="1" dirty="0"/>
+                    </a:p>
+                  </a:txBody>
+                  <a:tcPr anchor="ctr"/>
+                </a:tc>
+                <a:tc>
+                  <a:txBody>
+                    <a:bodyPr/>
+                    <a:lstStyle/>
+                    <a:p>
+                      <a:r>
+                        <a:rPr lang="en-GB" sz="1200" b="1" dirty="0"/>
+                        <a:t>A</a:t>
+                      </a:r>
+                      <a:r>
+                        <a:rPr lang="en-GB" sz="1200" b="1" baseline="-25000" dirty="0"/>
+                        <a:t>4,4</a:t>
+                      </a:r>
+                      <a:endParaRPr lang="en-GB" sz="1200" b="1" dirty="0"/>
+                    </a:p>
+                  </a:txBody>
+                  <a:tcPr anchor="ctr"/>
+                </a:tc>
+                <a:tc>
+                  <a:txBody>
+                    <a:bodyPr/>
+                    <a:lstStyle/>
+                    <a:p>
+                      <a:r>
+                        <a:rPr lang="en-GB" sz="1200" b="1" dirty="0"/>
+                        <a:t>A</a:t>
+                      </a:r>
+                      <a:r>
+                        <a:rPr lang="en-GB" sz="1200" b="1" baseline="-25000" dirty="0"/>
+                        <a:t>4,5</a:t>
+                      </a:r>
+                      <a:endParaRPr lang="en-GB" sz="1200" b="1" dirty="0"/>
+                    </a:p>
+                  </a:txBody>
+                  <a:tcPr anchor="ctr"/>
+                </a:tc>
+                <a:tc>
+                  <a:txBody>
+                    <a:bodyPr/>
+                    <a:lstStyle/>
+                    <a:p>
+                      <a:r>
+                        <a:rPr lang="en-GB" sz="1200" b="1" dirty="0"/>
+                        <a:t>A</a:t>
+                      </a:r>
+                      <a:r>
+                        <a:rPr lang="en-GB" sz="1200" b="1" baseline="-25000" dirty="0"/>
+                        <a:t>4,6</a:t>
+                      </a:r>
+                      <a:endParaRPr lang="en-GB" sz="1200" b="1" dirty="0"/>
+                    </a:p>
+                  </a:txBody>
+                  <a:tcPr anchor="ctr"/>
+                </a:tc>
+                <a:extLst>
+                  <a:ext uri="{0D108BD9-81ED-4DB2-BD59-A6C34878D82A}">
+                    <a16:rowId xmlns:a16="http://schemas.microsoft.com/office/drawing/2014/main" val="878749725"/>
+                  </a:ext>
+                </a:extLst>
+              </a:tr>
+              <a:tr h="384424">
+                <a:tc>
+                  <a:txBody>
+                    <a:bodyPr/>
+                    <a:lstStyle/>
+                    <a:p>
+                      <a:r>
+                        <a:rPr lang="en-GB" sz="1200" b="1" dirty="0"/>
+                        <a:t>A</a:t>
+                      </a:r>
+                      <a:r>
+                        <a:rPr lang="en-GB" sz="1200" b="1" baseline="-25000" dirty="0"/>
+                        <a:t>5,1</a:t>
+                      </a:r>
+                      <a:endParaRPr lang="en-GB" sz="1200" b="1" dirty="0"/>
+                    </a:p>
+                  </a:txBody>
+                  <a:tcPr anchor="ctr"/>
+                </a:tc>
+                <a:tc>
+                  <a:txBody>
+                    <a:bodyPr/>
+                    <a:lstStyle/>
+                    <a:p>
+                      <a:r>
+                        <a:rPr lang="en-GB" sz="1200" b="1" dirty="0"/>
+                        <a:t>A</a:t>
+                      </a:r>
+                      <a:r>
+                        <a:rPr lang="en-GB" sz="1200" b="1" baseline="-25000" dirty="0"/>
+                        <a:t>5,2</a:t>
+                      </a:r>
+                      <a:endParaRPr lang="en-GB" sz="1200" b="1" dirty="0"/>
+                    </a:p>
+                  </a:txBody>
+                  <a:tcPr anchor="ctr"/>
+                </a:tc>
+                <a:tc>
+                  <a:txBody>
+                    <a:bodyPr/>
+                    <a:lstStyle/>
+                    <a:p>
+                      <a:r>
+                        <a:rPr lang="en-GB" sz="1200" b="1" dirty="0"/>
+                        <a:t>A</a:t>
+                      </a:r>
+                      <a:r>
+                        <a:rPr lang="en-GB" sz="1200" b="1" baseline="-25000" dirty="0"/>
+                        <a:t>5,3</a:t>
+                      </a:r>
+                      <a:endParaRPr lang="en-GB" sz="1200" b="1" dirty="0"/>
+                    </a:p>
+                  </a:txBody>
+                  <a:tcPr anchor="ctr"/>
+                </a:tc>
+                <a:tc>
+                  <a:txBody>
+                    <a:bodyPr/>
+                    <a:lstStyle/>
+                    <a:p>
+                      <a:r>
+                        <a:rPr lang="en-GB" sz="1200" b="1" dirty="0"/>
+                        <a:t>A</a:t>
+                      </a:r>
+                      <a:r>
+                        <a:rPr lang="en-GB" sz="1200" b="1" baseline="-25000" dirty="0"/>
+                        <a:t>5,4</a:t>
+                      </a:r>
+                      <a:endParaRPr lang="en-GB" sz="1200" b="1" dirty="0"/>
+                    </a:p>
+                  </a:txBody>
+                  <a:tcPr anchor="ctr"/>
+                </a:tc>
+                <a:tc>
+                  <a:txBody>
+                    <a:bodyPr/>
+                    <a:lstStyle/>
+                    <a:p>
+                      <a:r>
+                        <a:rPr lang="en-GB" sz="1200" b="1" dirty="0"/>
+                        <a:t>A</a:t>
+                      </a:r>
+                      <a:r>
+                        <a:rPr lang="en-GB" sz="1200" b="1" baseline="-25000" dirty="0"/>
+                        <a:t>5,5</a:t>
+                      </a:r>
+                      <a:endParaRPr lang="en-GB" sz="1200" b="1" dirty="0"/>
+                    </a:p>
+                  </a:txBody>
+                  <a:tcPr anchor="ctr"/>
+                </a:tc>
+                <a:tc>
+                  <a:txBody>
+                    <a:bodyPr/>
+                    <a:lstStyle/>
+                    <a:p>
+                      <a:r>
+                        <a:rPr lang="en-GB" sz="1200" b="1" dirty="0"/>
+                        <a:t>A</a:t>
+                      </a:r>
+                      <a:r>
+                        <a:rPr lang="en-GB" sz="1200" b="1" baseline="-25000" dirty="0"/>
+                        <a:t>5,6</a:t>
+                      </a:r>
+                      <a:endParaRPr lang="en-GB" sz="1200" b="1" dirty="0"/>
+                    </a:p>
+                  </a:txBody>
+                  <a:tcPr anchor="ctr"/>
+                </a:tc>
+                <a:extLst>
+                  <a:ext uri="{0D108BD9-81ED-4DB2-BD59-A6C34878D82A}">
+                    <a16:rowId xmlns:a16="http://schemas.microsoft.com/office/drawing/2014/main" val="2053674014"/>
+                  </a:ext>
+                </a:extLst>
+              </a:tr>
+              <a:tr h="384424">
+                <a:tc>
+                  <a:txBody>
+                    <a:bodyPr/>
+                    <a:lstStyle/>
+                    <a:p>
+                      <a:r>
+                        <a:rPr lang="en-GB" sz="1200" b="1" dirty="0"/>
+                        <a:t>A</a:t>
+                      </a:r>
+                      <a:r>
+                        <a:rPr lang="en-GB" sz="1200" b="1" baseline="-25000" dirty="0"/>
+                        <a:t>6,1</a:t>
+                      </a:r>
+                      <a:endParaRPr lang="en-GB" sz="1200" b="1" dirty="0"/>
+                    </a:p>
+                  </a:txBody>
+                  <a:tcPr anchor="ctr"/>
+                </a:tc>
+                <a:tc>
+                  <a:txBody>
+                    <a:bodyPr/>
+                    <a:lstStyle/>
+                    <a:p>
+                      <a:r>
+                        <a:rPr lang="en-GB" sz="1200" b="1" dirty="0"/>
+                        <a:t>A</a:t>
+                      </a:r>
+                      <a:r>
+                        <a:rPr lang="en-GB" sz="1200" b="1" baseline="-25000" dirty="0"/>
+                        <a:t>6,2</a:t>
+                      </a:r>
+                      <a:endParaRPr lang="en-GB" sz="1200" b="1" dirty="0"/>
+                    </a:p>
+                  </a:txBody>
+                  <a:tcPr anchor="ctr"/>
+                </a:tc>
+                <a:tc>
+                  <a:txBody>
+                    <a:bodyPr/>
+                    <a:lstStyle/>
+                    <a:p>
+                      <a:r>
+                        <a:rPr lang="en-GB" sz="1200" b="1" dirty="0"/>
+                        <a:t>A</a:t>
+                      </a:r>
+                      <a:r>
+                        <a:rPr lang="en-GB" sz="1200" b="1" baseline="-25000" dirty="0"/>
+                        <a:t>6,3</a:t>
+                      </a:r>
+                      <a:endParaRPr lang="en-GB" sz="1200" b="1" dirty="0"/>
+                    </a:p>
+                  </a:txBody>
+                  <a:tcPr anchor="ctr"/>
+                </a:tc>
+                <a:tc>
+                  <a:txBody>
+                    <a:bodyPr/>
+                    <a:lstStyle/>
+                    <a:p>
+                      <a:r>
+                        <a:rPr lang="en-GB" sz="1200" b="1" dirty="0"/>
+                        <a:t>A</a:t>
+                      </a:r>
+                      <a:r>
+                        <a:rPr lang="en-GB" sz="1200" b="1" baseline="-25000" dirty="0"/>
+                        <a:t>6,4</a:t>
+                      </a:r>
+                      <a:endParaRPr lang="en-GB" sz="1200" b="1" dirty="0"/>
+                    </a:p>
+                  </a:txBody>
+                  <a:tcPr anchor="ctr"/>
+                </a:tc>
+                <a:tc>
+                  <a:txBody>
+                    <a:bodyPr/>
+                    <a:lstStyle/>
+                    <a:p>
+                      <a:r>
+                        <a:rPr lang="en-GB" sz="1200" b="1" dirty="0"/>
+                        <a:t>A</a:t>
+                      </a:r>
+                      <a:r>
+                        <a:rPr lang="en-GB" sz="1200" b="1" baseline="-25000" dirty="0"/>
+                        <a:t>6,5</a:t>
+                      </a:r>
+                      <a:endParaRPr lang="en-GB" sz="1200" b="1" dirty="0"/>
+                    </a:p>
+                  </a:txBody>
+                  <a:tcPr anchor="ctr"/>
+                </a:tc>
+                <a:tc>
+                  <a:txBody>
+                    <a:bodyPr/>
+                    <a:lstStyle/>
+                    <a:p>
+                      <a:r>
+                        <a:rPr lang="en-GB" sz="1200" b="1" dirty="0"/>
+                        <a:t>A</a:t>
+                      </a:r>
+                      <a:r>
+                        <a:rPr lang="en-GB" sz="1200" b="1" baseline="-25000" dirty="0"/>
+                        <a:t>6,6</a:t>
+                      </a:r>
+                      <a:endParaRPr lang="en-GB" sz="1200" b="1" dirty="0"/>
+                    </a:p>
+                  </a:txBody>
+                  <a:tcPr anchor="ctr"/>
+                </a:tc>
+                <a:extLst>
+                  <a:ext uri="{0D108BD9-81ED-4DB2-BD59-A6C34878D82A}">
+                    <a16:rowId xmlns:a16="http://schemas.microsoft.com/office/drawing/2014/main" val="3515302674"/>
+                  </a:ext>
+                </a:extLst>
+              </a:tr>
+            </a:tbl>
+          </a:graphicData>
+        </a:graphic>
+      </p:graphicFrame>
+      <p:graphicFrame>
+        <p:nvGraphicFramePr>
+          <p:cNvPr id="14" name="Table 14">
+            <a:extLst>
+              <a:ext uri="{FF2B5EF4-FFF2-40B4-BE49-F238E27FC236}">
+                <a16:creationId xmlns:a16="http://schemas.microsoft.com/office/drawing/2014/main" id="{616441B5-A803-49CF-8F20-33514E11C83D}"/>
+              </a:ext>
+            </a:extLst>
+          </p:cNvPr>
+          <p:cNvGraphicFramePr>
+            <a:graphicFrameLocks noGrp="1"/>
+          </p:cNvGraphicFramePr>
+          <p:nvPr>
+            <p:extLst>
+              <p:ext uri="{D42A27DB-BD31-4B8C-83A1-F6EECF244321}">
+                <p14:modId xmlns:p14="http://schemas.microsoft.com/office/powerpoint/2010/main" val="2348271958"/>
+              </p:ext>
+            </p:extLst>
+          </p:nvPr>
+        </p:nvGraphicFramePr>
+        <p:xfrm>
+          <a:off x="1145218" y="2027634"/>
+          <a:ext cx="9579005" cy="741680"/>
+        </p:xfrm>
+        <a:graphic>
+          <a:graphicData uri="http://schemas.openxmlformats.org/drawingml/2006/table">
+            <a:tbl>
+              <a:tblPr firstRow="1" bandRow="1">
+                <a:tableStyleId>{5C22544A-7EE6-4342-B048-85BDC9FD1C3A}</a:tableStyleId>
+              </a:tblPr>
+              <a:tblGrid>
+                <a:gridCol w="1758083">
+                  <a:extLst>
+                    <a:ext uri="{9D8B030D-6E8A-4147-A177-3AD203B41FA5}">
+                      <a16:colId xmlns:a16="http://schemas.microsoft.com/office/drawing/2014/main" val="121800896"/>
+                    </a:ext>
+                  </a:extLst>
+                </a:gridCol>
+                <a:gridCol w="1303487">
+                  <a:extLst>
+                    <a:ext uri="{9D8B030D-6E8A-4147-A177-3AD203B41FA5}">
+                      <a16:colId xmlns:a16="http://schemas.microsoft.com/office/drawing/2014/main" val="3107756931"/>
+                    </a:ext>
+                  </a:extLst>
+                </a:gridCol>
+                <a:gridCol w="1303487">
+                  <a:extLst>
+                    <a:ext uri="{9D8B030D-6E8A-4147-A177-3AD203B41FA5}">
+                      <a16:colId xmlns:a16="http://schemas.microsoft.com/office/drawing/2014/main" val="2959234881"/>
+                    </a:ext>
+                  </a:extLst>
+                </a:gridCol>
+                <a:gridCol w="1303487">
+                  <a:extLst>
+                    <a:ext uri="{9D8B030D-6E8A-4147-A177-3AD203B41FA5}">
+                      <a16:colId xmlns:a16="http://schemas.microsoft.com/office/drawing/2014/main" val="668195495"/>
+                    </a:ext>
+                  </a:extLst>
+                </a:gridCol>
+                <a:gridCol w="1303487">
+                  <a:extLst>
+                    <a:ext uri="{9D8B030D-6E8A-4147-A177-3AD203B41FA5}">
+                      <a16:colId xmlns:a16="http://schemas.microsoft.com/office/drawing/2014/main" val="2233920180"/>
+                    </a:ext>
+                  </a:extLst>
+                </a:gridCol>
+                <a:gridCol w="1303487">
+                  <a:extLst>
+                    <a:ext uri="{9D8B030D-6E8A-4147-A177-3AD203B41FA5}">
+                      <a16:colId xmlns:a16="http://schemas.microsoft.com/office/drawing/2014/main" val="1873082492"/>
+                    </a:ext>
+                  </a:extLst>
+                </a:gridCol>
+                <a:gridCol w="1303487">
+                  <a:extLst>
+                    <a:ext uri="{9D8B030D-6E8A-4147-A177-3AD203B41FA5}">
+                      <a16:colId xmlns:a16="http://schemas.microsoft.com/office/drawing/2014/main" val="1118657662"/>
+                    </a:ext>
+                  </a:extLst>
+                </a:gridCol>
+              </a:tblGrid>
+              <a:tr h="370840">
+                <a:tc gridSpan="7">
+                  <a:txBody>
+                    <a:bodyPr/>
+                    <a:lstStyle/>
+                    <a:p>
+                      <a:pPr algn="ctr"/>
+                      <a:r>
+                        <a:rPr lang="en-GB" dirty="0"/>
+                        <a:t>Strategies of a hospital (Total capacity = 6)</a:t>
+                      </a:r>
+                    </a:p>
+                  </a:txBody>
+                  <a:tcPr anchor="ctr"/>
+                </a:tc>
+                <a:tc hMerge="1">
+                  <a:txBody>
+                    <a:bodyPr/>
+                    <a:lstStyle/>
+                    <a:p>
+                      <a:endParaRPr lang="en-GB" dirty="0"/>
+                    </a:p>
+                  </a:txBody>
+                  <a:tcPr/>
+                </a:tc>
+                <a:tc hMerge="1">
+                  <a:txBody>
+                    <a:bodyPr/>
+                    <a:lstStyle/>
+                    <a:p>
+                      <a:endParaRPr lang="en-GB" dirty="0"/>
+                    </a:p>
+                  </a:txBody>
+                  <a:tcPr/>
+                </a:tc>
+                <a:tc hMerge="1">
+                  <a:txBody>
+                    <a:bodyPr/>
+                    <a:lstStyle/>
+                    <a:p>
+                      <a:endParaRPr lang="en-GB" dirty="0"/>
+                    </a:p>
+                  </a:txBody>
+                  <a:tcPr/>
+                </a:tc>
+                <a:tc hMerge="1">
+                  <a:txBody>
+                    <a:bodyPr/>
+                    <a:lstStyle/>
+                    <a:p>
+                      <a:endParaRPr lang="en-GB" dirty="0"/>
+                    </a:p>
+                  </a:txBody>
+                  <a:tcPr/>
+                </a:tc>
+                <a:tc hMerge="1">
+                  <a:txBody>
+                    <a:bodyPr/>
+                    <a:lstStyle/>
+                    <a:p>
+                      <a:endParaRPr lang="en-GB" dirty="0"/>
+                    </a:p>
+                  </a:txBody>
+                  <a:tcPr/>
+                </a:tc>
+                <a:tc hMerge="1">
+                  <a:txBody>
+                    <a:bodyPr/>
+                    <a:lstStyle/>
+                    <a:p>
+                      <a:pPr algn="ctr"/>
+                      <a:endParaRPr lang="en-GB" dirty="0"/>
+                    </a:p>
+                  </a:txBody>
+                  <a:tcPr anchor="ctr"/>
+                </a:tc>
+                <a:extLst>
+                  <a:ext uri="{0D108BD9-81ED-4DB2-BD59-A6C34878D82A}">
+                    <a16:rowId xmlns:a16="http://schemas.microsoft.com/office/drawing/2014/main" val="4091429721"/>
+                  </a:ext>
+                </a:extLst>
+              </a:tr>
+              <a:tr h="370840">
+                <a:tc>
+                  <a:txBody>
+                    <a:bodyPr/>
+                    <a:lstStyle/>
+                    <a:p>
+                      <a:pPr algn="ctr"/>
+                      <a:r>
+                        <a:rPr lang="en-GB" b="1" u="none" dirty="0"/>
+                        <a:t>Threshold</a:t>
+                      </a:r>
+                    </a:p>
+                  </a:txBody>
+                  <a:tcPr anchor="ctr"/>
+                </a:tc>
+                <a:tc>
+                  <a:txBody>
+                    <a:bodyPr/>
+                    <a:lstStyle/>
+                    <a:p>
+                      <a:pPr algn="ctr"/>
+                      <a:r>
+                        <a:rPr lang="en-GB" dirty="0"/>
+                        <a:t>1</a:t>
+                      </a:r>
+                    </a:p>
+                  </a:txBody>
+                  <a:tcPr anchor="ctr"/>
+                </a:tc>
+                <a:tc>
+                  <a:txBody>
+                    <a:bodyPr/>
+                    <a:lstStyle/>
+                    <a:p>
+                      <a:pPr algn="ctr"/>
+                      <a:r>
+                        <a:rPr lang="en-GB" dirty="0"/>
+                        <a:t>2</a:t>
+                      </a:r>
+                    </a:p>
+                  </a:txBody>
+                  <a:tcPr anchor="ctr"/>
+                </a:tc>
+                <a:tc>
+                  <a:txBody>
+                    <a:bodyPr/>
+                    <a:lstStyle/>
+                    <a:p>
+                      <a:pPr algn="ctr"/>
+                      <a:r>
+                        <a:rPr lang="en-GB" dirty="0"/>
+                        <a:t>3</a:t>
+                      </a:r>
+                    </a:p>
+                  </a:txBody>
+                  <a:tcPr anchor="ctr"/>
+                </a:tc>
+                <a:tc>
+                  <a:txBody>
+                    <a:bodyPr/>
+                    <a:lstStyle/>
+                    <a:p>
+                      <a:pPr algn="ctr"/>
+                      <a:r>
+                        <a:rPr lang="en-GB" dirty="0"/>
+                        <a:t>4</a:t>
+                      </a:r>
+                    </a:p>
+                  </a:txBody>
+                  <a:tcPr anchor="ctr"/>
+                </a:tc>
+                <a:tc>
+                  <a:txBody>
+                    <a:bodyPr/>
+                    <a:lstStyle/>
+                    <a:p>
+                      <a:pPr algn="ctr"/>
+                      <a:r>
+                        <a:rPr lang="en-GB" dirty="0"/>
+                        <a:t>5</a:t>
+                      </a:r>
+                    </a:p>
+                  </a:txBody>
+                  <a:tcPr anchor="ctr"/>
+                </a:tc>
+                <a:tc>
+                  <a:txBody>
+                    <a:bodyPr/>
+                    <a:lstStyle/>
+                    <a:p>
+                      <a:pPr algn="ctr"/>
+                      <a:r>
+                        <a:rPr lang="en-GB" dirty="0"/>
+                        <a:t>6</a:t>
+                      </a:r>
+                    </a:p>
+                  </a:txBody>
+                  <a:tcPr anchor="ctr"/>
+                </a:tc>
+                <a:extLst>
+                  <a:ext uri="{0D108BD9-81ED-4DB2-BD59-A6C34878D82A}">
+                    <a16:rowId xmlns:a16="http://schemas.microsoft.com/office/drawing/2014/main" val="1063658305"/>
+                  </a:ext>
+                </a:extLst>
+              </a:tr>
+            </a:tbl>
+          </a:graphicData>
+        </a:graphic>
+      </p:graphicFrame>
+      <p:graphicFrame>
+        <p:nvGraphicFramePr>
+          <p:cNvPr id="16" name="Table 4">
+            <a:extLst>
+              <a:ext uri="{FF2B5EF4-FFF2-40B4-BE49-F238E27FC236}">
+                <a16:creationId xmlns:a16="http://schemas.microsoft.com/office/drawing/2014/main" id="{70B0D3EF-A19B-4571-8F85-5CFEC363D3BF}"/>
+              </a:ext>
+            </a:extLst>
+          </p:cNvPr>
+          <p:cNvGraphicFramePr>
+            <a:graphicFrameLocks/>
+          </p:cNvGraphicFramePr>
+          <p:nvPr>
+            <p:extLst>
+              <p:ext uri="{D42A27DB-BD31-4B8C-83A1-F6EECF244321}">
+                <p14:modId xmlns:p14="http://schemas.microsoft.com/office/powerpoint/2010/main" val="3542744166"/>
+              </p:ext>
+            </p:extLst>
+          </p:nvPr>
+        </p:nvGraphicFramePr>
+        <p:xfrm>
+          <a:off x="7361061" y="3240348"/>
+          <a:ext cx="3363164" cy="1922120"/>
+        </p:xfrm>
+        <a:graphic>
+          <a:graphicData uri="http://schemas.openxmlformats.org/drawingml/2006/table">
+            <a:tbl>
+              <a:tblPr firstRow="1" bandRow="1">
+                <a:tableStyleId>{5C22544A-7EE6-4342-B048-85BDC9FD1C3A}</a:tableStyleId>
+              </a:tblPr>
+              <a:tblGrid>
+                <a:gridCol w="1681582">
+                  <a:extLst>
+                    <a:ext uri="{9D8B030D-6E8A-4147-A177-3AD203B41FA5}">
+                      <a16:colId xmlns:a16="http://schemas.microsoft.com/office/drawing/2014/main" val="2413511879"/>
+                    </a:ext>
+                  </a:extLst>
+                </a:gridCol>
+                <a:gridCol w="1681582">
+                  <a:extLst>
+                    <a:ext uri="{9D8B030D-6E8A-4147-A177-3AD203B41FA5}">
+                      <a16:colId xmlns:a16="http://schemas.microsoft.com/office/drawing/2014/main" val="2859251337"/>
+                    </a:ext>
+                  </a:extLst>
+                </a:gridCol>
+              </a:tblGrid>
+              <a:tr h="384424">
+                <a:tc gridSpan="2">
+                  <a:txBody>
+                    <a:bodyPr/>
+                    <a:lstStyle/>
+                    <a:p>
+                      <a:pPr algn="ctr"/>
+                      <a:r>
+                        <a:rPr lang="en-GB" dirty="0"/>
+                        <a:t>Ambulance choice (Proportion)</a:t>
+                      </a:r>
+                    </a:p>
+                  </a:txBody>
+                  <a:tcPr anchor="ctr"/>
+                </a:tc>
+                <a:tc hMerge="1">
+                  <a:txBody>
+                    <a:bodyPr/>
+                    <a:lstStyle/>
+                    <a:p>
+                      <a:endParaRPr lang="en-GB"/>
+                    </a:p>
+                  </a:txBody>
+                  <a:tcPr/>
+                </a:tc>
+                <a:extLst>
+                  <a:ext uri="{0D108BD9-81ED-4DB2-BD59-A6C34878D82A}">
+                    <a16:rowId xmlns:a16="http://schemas.microsoft.com/office/drawing/2014/main" val="3641786812"/>
+                  </a:ext>
+                </a:extLst>
+              </a:tr>
+              <a:tr h="384424">
+                <a:tc>
+                  <a:txBody>
+                    <a:bodyPr/>
+                    <a:lstStyle/>
+                    <a:p>
+                      <a:pPr algn="ctr"/>
+                      <a:r>
+                        <a:rPr lang="en-GB" b="1" dirty="0"/>
+                        <a:t>Hospital A</a:t>
+                      </a:r>
+                    </a:p>
+                  </a:txBody>
+                  <a:tcPr anchor="ctr"/>
+                </a:tc>
+                <a:tc>
+                  <a:txBody>
+                    <a:bodyPr/>
+                    <a:lstStyle/>
+                    <a:p>
+                      <a:pPr algn="ctr"/>
+                      <a:r>
+                        <a:rPr lang="en-GB" b="1" dirty="0"/>
+                        <a:t>Hospital B</a:t>
+                      </a:r>
+                    </a:p>
+                  </a:txBody>
+                  <a:tcPr anchor="ctr"/>
+                </a:tc>
+                <a:extLst>
+                  <a:ext uri="{0D108BD9-81ED-4DB2-BD59-A6C34878D82A}">
+                    <a16:rowId xmlns:a16="http://schemas.microsoft.com/office/drawing/2014/main" val="3055183025"/>
+                  </a:ext>
+                </a:extLst>
+              </a:tr>
+              <a:tr h="384424">
+                <a:tc>
+                  <a:txBody>
+                    <a:bodyPr/>
+                    <a:lstStyle/>
+                    <a:p>
+                      <a:pPr algn="ctr"/>
+                      <a:r>
+                        <a:rPr lang="en-GB" dirty="0"/>
+                        <a:t>0%</a:t>
+                      </a:r>
+                    </a:p>
+                  </a:txBody>
+                  <a:tcPr anchor="ctr"/>
+                </a:tc>
+                <a:tc>
+                  <a:txBody>
+                    <a:bodyPr/>
+                    <a:lstStyle/>
+                    <a:p>
+                      <a:pPr algn="ctr"/>
+                      <a:r>
+                        <a:rPr lang="en-GB" dirty="0"/>
+                        <a:t>100%</a:t>
+                      </a:r>
+                    </a:p>
+                  </a:txBody>
+                  <a:tcPr anchor="ctr"/>
+                </a:tc>
+                <a:extLst>
+                  <a:ext uri="{0D108BD9-81ED-4DB2-BD59-A6C34878D82A}">
+                    <a16:rowId xmlns:a16="http://schemas.microsoft.com/office/drawing/2014/main" val="1980303698"/>
+                  </a:ext>
+                </a:extLst>
+              </a:tr>
+              <a:tr h="384424">
+                <a:tc>
+                  <a:txBody>
+                    <a:bodyPr/>
+                    <a:lstStyle/>
+                    <a:p>
+                      <a:pPr algn="ctr"/>
+                      <a:r>
+                        <a:rPr lang="en-GB" dirty="0"/>
+                        <a:t>…</a:t>
+                      </a:r>
+                    </a:p>
+                  </a:txBody>
+                  <a:tcPr anchor="ctr"/>
+                </a:tc>
+                <a:tc>
+                  <a:txBody>
+                    <a:bodyPr/>
+                    <a:lstStyle/>
+                    <a:p>
+                      <a:pPr algn="ctr"/>
+                      <a:r>
+                        <a:rPr lang="en-GB" dirty="0"/>
+                        <a:t>…</a:t>
+                      </a:r>
+                    </a:p>
+                  </a:txBody>
+                  <a:tcPr anchor="ctr"/>
+                </a:tc>
+                <a:extLst>
+                  <a:ext uri="{0D108BD9-81ED-4DB2-BD59-A6C34878D82A}">
+                    <a16:rowId xmlns:a16="http://schemas.microsoft.com/office/drawing/2014/main" val="704947331"/>
+                  </a:ext>
+                </a:extLst>
+              </a:tr>
+              <a:tr h="384424">
+                <a:tc>
+                  <a:txBody>
+                    <a:bodyPr/>
+                    <a:lstStyle/>
+                    <a:p>
+                      <a:pPr algn="ctr"/>
+                      <a:r>
+                        <a:rPr lang="en-GB" dirty="0"/>
+                        <a:t>100%</a:t>
+                      </a:r>
+                    </a:p>
+                  </a:txBody>
+                  <a:tcPr anchor="ctr"/>
+                </a:tc>
+                <a:tc>
+                  <a:txBody>
+                    <a:bodyPr/>
+                    <a:lstStyle/>
+                    <a:p>
+                      <a:pPr algn="ctr"/>
+                      <a:r>
+                        <a:rPr lang="en-GB" dirty="0"/>
+                        <a:t>0%</a:t>
+                      </a:r>
+                    </a:p>
+                  </a:txBody>
+                  <a:tcPr anchor="ctr"/>
+                </a:tc>
+                <a:extLst>
+                  <a:ext uri="{0D108BD9-81ED-4DB2-BD59-A6C34878D82A}">
+                    <a16:rowId xmlns:a16="http://schemas.microsoft.com/office/drawing/2014/main" val="1009932706"/>
+                  </a:ext>
+                </a:extLst>
+              </a:tr>
+            </a:tbl>
+          </a:graphicData>
+        </a:graphic>
+      </p:graphicFrame>
+      <p:sp>
+        <p:nvSpPr>
+          <p:cNvPr id="17" name="TextBox 16">
+            <a:extLst>
+              <a:ext uri="{FF2B5EF4-FFF2-40B4-BE49-F238E27FC236}">
+                <a16:creationId xmlns:a16="http://schemas.microsoft.com/office/drawing/2014/main" id="{54B2EECB-A5D6-4BFC-9A8B-03D86DD19B8A}"/>
+              </a:ext>
+            </a:extLst>
+          </p:cNvPr>
+          <p:cNvSpPr txBox="1"/>
+          <p:nvPr/>
+        </p:nvSpPr>
+        <p:spPr>
+          <a:xfrm>
+            <a:off x="7458715" y="5448836"/>
+            <a:ext cx="3167856" cy="369332"/>
+          </a:xfrm>
+          <a:prstGeom prst="rect">
+            <a:avLst/>
+          </a:prstGeom>
+          <a:noFill/>
+        </p:spPr>
+        <p:txBody>
+          <a:bodyPr wrap="square" rtlCol="0">
+            <a:spAutoFit/>
+          </a:bodyPr>
+          <a:lstStyle/>
+          <a:p>
+            <a:pPr algn="ctr"/>
+            <a:r>
+              <a:rPr lang="en-GB" b="1" u="sng" dirty="0"/>
+              <a:t>Note</a:t>
+            </a:r>
+            <a:r>
+              <a:rPr lang="en-GB" b="1" dirty="0"/>
+              <a:t>: Prop</a:t>
+            </a:r>
+            <a:r>
+              <a:rPr lang="en-GB" b="1" baseline="-25000" dirty="0"/>
+              <a:t>1 </a:t>
+            </a:r>
+            <a:r>
+              <a:rPr lang="en-GB" b="1" dirty="0"/>
+              <a:t>+ Prop</a:t>
+            </a:r>
+            <a:r>
+              <a:rPr lang="en-GB" b="1" baseline="-25000" dirty="0"/>
+              <a:t>2 </a:t>
+            </a:r>
+            <a:r>
+              <a:rPr lang="en-GB" b="1" dirty="0"/>
+              <a:t>= 1</a:t>
+            </a:r>
+          </a:p>
+        </p:txBody>
+      </p:sp>
+      <p:graphicFrame>
+        <p:nvGraphicFramePr>
+          <p:cNvPr id="18" name="Table 4">
+            <a:extLst>
+              <a:ext uri="{FF2B5EF4-FFF2-40B4-BE49-F238E27FC236}">
+                <a16:creationId xmlns:a16="http://schemas.microsoft.com/office/drawing/2014/main" id="{550CCBB6-8F63-4945-A595-FB7A8DA626FB}"/>
+              </a:ext>
+            </a:extLst>
+          </p:cNvPr>
+          <p:cNvGraphicFramePr>
+            <a:graphicFrameLocks/>
+          </p:cNvGraphicFramePr>
+          <p:nvPr>
+            <p:extLst>
+              <p:ext uri="{D42A27DB-BD31-4B8C-83A1-F6EECF244321}">
+                <p14:modId xmlns:p14="http://schemas.microsoft.com/office/powerpoint/2010/main" val="2524248063"/>
+              </p:ext>
+            </p:extLst>
+          </p:nvPr>
+        </p:nvGraphicFramePr>
+        <p:xfrm>
+          <a:off x="4213930" y="3240348"/>
+          <a:ext cx="2723961" cy="2690968"/>
+        </p:xfrm>
+        <a:graphic>
+          <a:graphicData uri="http://schemas.openxmlformats.org/drawingml/2006/table">
+            <a:tbl>
+              <a:tblPr firstRow="1" bandRow="1">
+                <a:tableStyleId>{5C22544A-7EE6-4342-B048-85BDC9FD1C3A}</a:tableStyleId>
+              </a:tblPr>
+              <a:tblGrid>
+                <a:gridCol w="454421">
+                  <a:extLst>
+                    <a:ext uri="{9D8B030D-6E8A-4147-A177-3AD203B41FA5}">
+                      <a16:colId xmlns:a16="http://schemas.microsoft.com/office/drawing/2014/main" val="2413511879"/>
+                    </a:ext>
+                  </a:extLst>
+                </a:gridCol>
+                <a:gridCol w="453908">
+                  <a:extLst>
+                    <a:ext uri="{9D8B030D-6E8A-4147-A177-3AD203B41FA5}">
+                      <a16:colId xmlns:a16="http://schemas.microsoft.com/office/drawing/2014/main" val="2859251337"/>
+                    </a:ext>
+                  </a:extLst>
+                </a:gridCol>
+                <a:gridCol w="453908">
+                  <a:extLst>
+                    <a:ext uri="{9D8B030D-6E8A-4147-A177-3AD203B41FA5}">
+                      <a16:colId xmlns:a16="http://schemas.microsoft.com/office/drawing/2014/main" val="987257695"/>
+                    </a:ext>
+                  </a:extLst>
+                </a:gridCol>
+                <a:gridCol w="453908">
+                  <a:extLst>
+                    <a:ext uri="{9D8B030D-6E8A-4147-A177-3AD203B41FA5}">
+                      <a16:colId xmlns:a16="http://schemas.microsoft.com/office/drawing/2014/main" val="1243103271"/>
+                    </a:ext>
+                  </a:extLst>
+                </a:gridCol>
+                <a:gridCol w="453908">
+                  <a:extLst>
+                    <a:ext uri="{9D8B030D-6E8A-4147-A177-3AD203B41FA5}">
+                      <a16:colId xmlns:a16="http://schemas.microsoft.com/office/drawing/2014/main" val="460903646"/>
+                    </a:ext>
+                  </a:extLst>
+                </a:gridCol>
+                <a:gridCol w="453908">
+                  <a:extLst>
+                    <a:ext uri="{9D8B030D-6E8A-4147-A177-3AD203B41FA5}">
+                      <a16:colId xmlns:a16="http://schemas.microsoft.com/office/drawing/2014/main" val="428705969"/>
+                    </a:ext>
+                  </a:extLst>
+                </a:gridCol>
+              </a:tblGrid>
+              <a:tr h="384424">
+                <a:tc gridSpan="6">
+                  <a:txBody>
+                    <a:bodyPr/>
+                    <a:lstStyle/>
+                    <a:p>
+                      <a:pPr algn="ctr"/>
+                      <a:r>
+                        <a:rPr lang="en-GB" b="1" dirty="0"/>
+                        <a:t>Hospital B utilities</a:t>
+                      </a:r>
+                    </a:p>
+                  </a:txBody>
+                  <a:tcPr anchor="ctr"/>
+                </a:tc>
+                <a:tc hMerge="1">
+                  <a:txBody>
+                    <a:bodyPr/>
+                    <a:lstStyle/>
+                    <a:p>
+                      <a:endParaRPr lang="en-GB"/>
+                    </a:p>
+                  </a:txBody>
+                  <a:tcPr/>
+                </a:tc>
+                <a:tc hMerge="1">
+                  <a:txBody>
+                    <a:bodyPr/>
+                    <a:lstStyle/>
+                    <a:p>
+                      <a:endParaRPr lang="en-GB" dirty="0"/>
+                    </a:p>
+                  </a:txBody>
+                  <a:tcPr/>
+                </a:tc>
+                <a:tc hMerge="1">
+                  <a:txBody>
+                    <a:bodyPr/>
+                    <a:lstStyle/>
+                    <a:p>
+                      <a:endParaRPr lang="en-GB" dirty="0"/>
+                    </a:p>
+                  </a:txBody>
+                  <a:tcPr/>
+                </a:tc>
+                <a:tc hMerge="1">
+                  <a:txBody>
+                    <a:bodyPr/>
+                    <a:lstStyle/>
+                    <a:p>
+                      <a:endParaRPr lang="en-GB"/>
+                    </a:p>
+                  </a:txBody>
+                  <a:tcPr/>
+                </a:tc>
+                <a:tc hMerge="1">
+                  <a:txBody>
+                    <a:bodyPr/>
+                    <a:lstStyle/>
+                    <a:p>
+                      <a:endParaRPr lang="en-GB"/>
+                    </a:p>
+                  </a:txBody>
+                  <a:tcPr/>
+                </a:tc>
+                <a:extLst>
+                  <a:ext uri="{0D108BD9-81ED-4DB2-BD59-A6C34878D82A}">
+                    <a16:rowId xmlns:a16="http://schemas.microsoft.com/office/drawing/2014/main" val="3641786812"/>
+                  </a:ext>
+                </a:extLst>
+              </a:tr>
+              <a:tr h="384424">
+                <a:tc>
+                  <a:txBody>
+                    <a:bodyPr/>
+                    <a:lstStyle/>
+                    <a:p>
+                      <a:pPr algn="ctr"/>
+                      <a:r>
+                        <a:rPr lang="en-GB" sz="1200" b="1" dirty="0"/>
+                        <a:t>B</a:t>
+                      </a:r>
+                      <a:r>
+                        <a:rPr lang="en-GB" sz="1200" b="1" baseline="-25000" dirty="0"/>
+                        <a:t>1,1</a:t>
+                      </a:r>
+                      <a:endParaRPr lang="en-GB" sz="1200" b="1" dirty="0"/>
+                    </a:p>
+                  </a:txBody>
+                  <a:tcPr anchor="ctr"/>
+                </a:tc>
+                <a:tc>
+                  <a:txBody>
+                    <a:bodyPr/>
+                    <a:lstStyle/>
+                    <a:p>
+                      <a:r>
+                        <a:rPr lang="en-GB" sz="1200" b="1" dirty="0"/>
+                        <a:t>B</a:t>
+                      </a:r>
+                      <a:r>
+                        <a:rPr lang="en-GB" sz="1200" b="1" baseline="-25000" dirty="0"/>
+                        <a:t>1,2</a:t>
+                      </a:r>
+                      <a:endParaRPr lang="en-GB" sz="1200" b="1" dirty="0"/>
+                    </a:p>
+                  </a:txBody>
+                  <a:tcPr anchor="ctr"/>
+                </a:tc>
+                <a:tc>
+                  <a:txBody>
+                    <a:bodyPr/>
+                    <a:lstStyle/>
+                    <a:p>
+                      <a:pPr marL="0" marR="0" lvl="0" indent="0" algn="l" defTabSz="914400" rtl="0" eaLnBrk="1" fontAlgn="auto" latinLnBrk="0" hangingPunct="1">
+                        <a:lnSpc>
+                          <a:spcPct val="100000"/>
+                        </a:lnSpc>
+                        <a:spcBef>
+                          <a:spcPts val="0"/>
+                        </a:spcBef>
+                        <a:spcAft>
+                          <a:spcPts val="0"/>
+                        </a:spcAft>
+                        <a:buClrTx/>
+                        <a:buSzTx/>
+                        <a:buFontTx/>
+                        <a:buNone/>
+                        <a:tabLst/>
+                        <a:defRPr/>
+                      </a:pPr>
+                      <a:r>
+                        <a:rPr lang="en-GB" sz="1200" b="1" dirty="0"/>
+                        <a:t>B</a:t>
+                      </a:r>
+                      <a:r>
+                        <a:rPr lang="en-GB" sz="1200" b="1" baseline="-25000" dirty="0"/>
+                        <a:t>1,3</a:t>
+                      </a:r>
+                      <a:endParaRPr lang="en-GB" sz="1200" b="1" dirty="0"/>
+                    </a:p>
+                  </a:txBody>
+                  <a:tcPr anchor="ctr"/>
+                </a:tc>
+                <a:tc>
+                  <a:txBody>
+                    <a:bodyPr/>
+                    <a:lstStyle/>
+                    <a:p>
+                      <a:r>
+                        <a:rPr lang="en-GB" sz="1200" b="1" dirty="0"/>
+                        <a:t>B</a:t>
+                      </a:r>
+                      <a:r>
+                        <a:rPr lang="en-GB" sz="1200" b="1" baseline="-25000" dirty="0"/>
+                        <a:t>1,4</a:t>
+                      </a:r>
+                      <a:endParaRPr lang="en-GB" sz="1200" b="1" dirty="0"/>
+                    </a:p>
+                  </a:txBody>
+                  <a:tcPr anchor="ctr"/>
+                </a:tc>
+                <a:tc>
+                  <a:txBody>
+                    <a:bodyPr/>
+                    <a:lstStyle/>
+                    <a:p>
+                      <a:r>
+                        <a:rPr lang="en-GB" sz="1200" b="1" dirty="0"/>
+                        <a:t>B</a:t>
+                      </a:r>
+                      <a:r>
+                        <a:rPr lang="en-GB" sz="1200" b="1" baseline="-25000" dirty="0"/>
+                        <a:t>1,5</a:t>
+                      </a:r>
+                      <a:endParaRPr lang="en-GB" sz="1200" b="1" dirty="0"/>
+                    </a:p>
+                  </a:txBody>
+                  <a:tcPr anchor="ctr"/>
+                </a:tc>
+                <a:tc>
+                  <a:txBody>
+                    <a:bodyPr/>
+                    <a:lstStyle/>
+                    <a:p>
+                      <a:r>
+                        <a:rPr lang="en-GB" sz="1200" b="1" dirty="0"/>
+                        <a:t>B</a:t>
+                      </a:r>
+                      <a:r>
+                        <a:rPr lang="en-GB" sz="1200" b="1" baseline="-25000" dirty="0"/>
+                        <a:t>1,6</a:t>
+                      </a:r>
+                      <a:endParaRPr lang="en-GB" sz="1200" b="1" dirty="0"/>
+                    </a:p>
+                  </a:txBody>
+                  <a:tcPr anchor="ctr"/>
+                </a:tc>
+                <a:extLst>
+                  <a:ext uri="{0D108BD9-81ED-4DB2-BD59-A6C34878D82A}">
+                    <a16:rowId xmlns:a16="http://schemas.microsoft.com/office/drawing/2014/main" val="3055183025"/>
+                  </a:ext>
+                </a:extLst>
+              </a:tr>
+              <a:tr h="384424">
+                <a:tc>
+                  <a:txBody>
+                    <a:bodyPr/>
+                    <a:lstStyle/>
+                    <a:p>
+                      <a:r>
+                        <a:rPr lang="en-GB" sz="1200" b="1" dirty="0"/>
+                        <a:t>B</a:t>
+                      </a:r>
+                      <a:r>
+                        <a:rPr lang="en-GB" sz="1200" b="1" baseline="-25000" dirty="0"/>
+                        <a:t>2,1</a:t>
+                      </a:r>
+                      <a:endParaRPr lang="en-GB" sz="1200" b="1" dirty="0"/>
+                    </a:p>
+                  </a:txBody>
+                  <a:tcPr anchor="ctr"/>
+                </a:tc>
+                <a:tc>
+                  <a:txBody>
+                    <a:bodyPr/>
+                    <a:lstStyle/>
+                    <a:p>
+                      <a:r>
+                        <a:rPr lang="en-GB" sz="1200" b="1" dirty="0"/>
+                        <a:t>B</a:t>
+                      </a:r>
+                      <a:r>
+                        <a:rPr lang="en-GB" sz="1200" b="1" baseline="-25000" dirty="0"/>
+                        <a:t>2,2</a:t>
+                      </a:r>
+                      <a:endParaRPr lang="en-GB" sz="1200" b="1" dirty="0"/>
+                    </a:p>
+                  </a:txBody>
+                  <a:tcPr anchor="ctr"/>
+                </a:tc>
+                <a:tc>
+                  <a:txBody>
+                    <a:bodyPr/>
+                    <a:lstStyle/>
+                    <a:p>
+                      <a:r>
+                        <a:rPr lang="en-GB" sz="1200" b="1" dirty="0"/>
+                        <a:t>B</a:t>
+                      </a:r>
+                      <a:r>
+                        <a:rPr lang="en-GB" sz="1200" b="1" baseline="-25000" dirty="0"/>
+                        <a:t>2,3</a:t>
+                      </a:r>
+                      <a:endParaRPr lang="en-GB" sz="1200" b="1" dirty="0"/>
+                    </a:p>
+                  </a:txBody>
+                  <a:tcPr anchor="ctr"/>
+                </a:tc>
+                <a:tc>
+                  <a:txBody>
+                    <a:bodyPr/>
+                    <a:lstStyle/>
+                    <a:p>
+                      <a:r>
+                        <a:rPr lang="en-GB" sz="1200" b="1" dirty="0"/>
+                        <a:t>B</a:t>
+                      </a:r>
+                      <a:r>
+                        <a:rPr lang="en-GB" sz="1200" b="1" baseline="-25000" dirty="0"/>
+                        <a:t>2,4</a:t>
+                      </a:r>
+                      <a:endParaRPr lang="en-GB" sz="1200" b="1" dirty="0"/>
+                    </a:p>
+                  </a:txBody>
+                  <a:tcPr anchor="ctr"/>
+                </a:tc>
+                <a:tc>
+                  <a:txBody>
+                    <a:bodyPr/>
+                    <a:lstStyle/>
+                    <a:p>
+                      <a:r>
+                        <a:rPr lang="en-GB" sz="1200" b="1" dirty="0"/>
+                        <a:t>B</a:t>
+                      </a:r>
+                      <a:r>
+                        <a:rPr lang="en-GB" sz="1200" b="1" baseline="-25000" dirty="0"/>
+                        <a:t>2,5</a:t>
+                      </a:r>
+                      <a:endParaRPr lang="en-GB" sz="1200" b="1" dirty="0"/>
+                    </a:p>
+                  </a:txBody>
+                  <a:tcPr anchor="ctr"/>
+                </a:tc>
+                <a:tc>
+                  <a:txBody>
+                    <a:bodyPr/>
+                    <a:lstStyle/>
+                    <a:p>
+                      <a:r>
+                        <a:rPr lang="en-GB" sz="1200" b="1" dirty="0"/>
+                        <a:t>B</a:t>
+                      </a:r>
+                      <a:r>
+                        <a:rPr lang="en-GB" sz="1200" b="1" baseline="-25000" dirty="0"/>
+                        <a:t>2,6</a:t>
+                      </a:r>
+                      <a:endParaRPr lang="en-GB" sz="1200" b="1" dirty="0"/>
+                    </a:p>
+                  </a:txBody>
+                  <a:tcPr anchor="ctr"/>
+                </a:tc>
+                <a:extLst>
+                  <a:ext uri="{0D108BD9-81ED-4DB2-BD59-A6C34878D82A}">
+                    <a16:rowId xmlns:a16="http://schemas.microsoft.com/office/drawing/2014/main" val="1980303698"/>
+                  </a:ext>
+                </a:extLst>
+              </a:tr>
+              <a:tr h="384424">
+                <a:tc>
+                  <a:txBody>
+                    <a:bodyPr/>
+                    <a:lstStyle/>
+                    <a:p>
+                      <a:r>
+                        <a:rPr lang="en-GB" sz="1200" b="1" dirty="0"/>
+                        <a:t>B</a:t>
+                      </a:r>
+                      <a:r>
+                        <a:rPr lang="en-GB" sz="1200" b="1" baseline="-25000" dirty="0"/>
+                        <a:t>3,1</a:t>
+                      </a:r>
+                      <a:endParaRPr lang="en-GB" sz="1200" b="1" dirty="0"/>
+                    </a:p>
+                  </a:txBody>
+                  <a:tcPr anchor="ctr"/>
+                </a:tc>
+                <a:tc>
+                  <a:txBody>
+                    <a:bodyPr/>
+                    <a:lstStyle/>
+                    <a:p>
+                      <a:r>
+                        <a:rPr lang="en-GB" sz="1200" b="1" dirty="0"/>
+                        <a:t>B</a:t>
+                      </a:r>
+                      <a:r>
+                        <a:rPr lang="en-GB" sz="1200" b="1" baseline="-25000" dirty="0"/>
+                        <a:t>3,2</a:t>
+                      </a:r>
+                      <a:endParaRPr lang="en-GB" sz="1200" b="1" dirty="0"/>
+                    </a:p>
+                  </a:txBody>
+                  <a:tcPr anchor="ctr"/>
+                </a:tc>
+                <a:tc>
+                  <a:txBody>
+                    <a:bodyPr/>
+                    <a:lstStyle/>
+                    <a:p>
+                      <a:r>
+                        <a:rPr lang="en-GB" sz="1200" b="1" dirty="0"/>
+                        <a:t>B</a:t>
+                      </a:r>
+                      <a:r>
+                        <a:rPr lang="en-GB" sz="1200" b="1" baseline="-25000" dirty="0"/>
+                        <a:t>3,3</a:t>
+                      </a:r>
+                      <a:endParaRPr lang="en-GB" sz="1200" b="1" dirty="0"/>
+                    </a:p>
+                  </a:txBody>
+                  <a:tcPr anchor="ctr"/>
+                </a:tc>
+                <a:tc>
+                  <a:txBody>
+                    <a:bodyPr/>
+                    <a:lstStyle/>
+                    <a:p>
+                      <a:r>
+                        <a:rPr lang="en-GB" sz="1200" b="1" dirty="0"/>
+                        <a:t>B</a:t>
+                      </a:r>
+                      <a:r>
+                        <a:rPr lang="en-GB" sz="1200" b="1" baseline="-25000" dirty="0"/>
+                        <a:t>3,4</a:t>
+                      </a:r>
+                      <a:endParaRPr lang="en-GB" sz="1200" b="1" dirty="0"/>
+                    </a:p>
+                  </a:txBody>
+                  <a:tcPr anchor="ctr"/>
+                </a:tc>
+                <a:tc>
+                  <a:txBody>
+                    <a:bodyPr/>
+                    <a:lstStyle/>
+                    <a:p>
+                      <a:r>
+                        <a:rPr lang="en-GB" sz="1200" b="1" dirty="0"/>
+                        <a:t>B</a:t>
+                      </a:r>
+                      <a:r>
+                        <a:rPr lang="en-GB" sz="1200" b="1" baseline="-25000" dirty="0"/>
+                        <a:t>3,5</a:t>
+                      </a:r>
+                      <a:endParaRPr lang="en-GB" sz="1200" b="1" dirty="0"/>
+                    </a:p>
+                  </a:txBody>
+                  <a:tcPr anchor="ctr"/>
+                </a:tc>
+                <a:tc>
+                  <a:txBody>
+                    <a:bodyPr/>
+                    <a:lstStyle/>
+                    <a:p>
+                      <a:r>
+                        <a:rPr lang="en-GB" sz="1200" b="1" dirty="0"/>
+                        <a:t>B</a:t>
+                      </a:r>
+                      <a:r>
+                        <a:rPr lang="en-GB" sz="1200" b="1" baseline="-25000" dirty="0"/>
+                        <a:t>3,6</a:t>
+                      </a:r>
+                      <a:endParaRPr lang="en-GB" sz="1200" b="1" dirty="0"/>
+                    </a:p>
+                  </a:txBody>
+                  <a:tcPr anchor="ctr"/>
+                </a:tc>
+                <a:extLst>
+                  <a:ext uri="{0D108BD9-81ED-4DB2-BD59-A6C34878D82A}">
+                    <a16:rowId xmlns:a16="http://schemas.microsoft.com/office/drawing/2014/main" val="704947331"/>
+                  </a:ext>
+                </a:extLst>
+              </a:tr>
+              <a:tr h="384424">
+                <a:tc>
+                  <a:txBody>
+                    <a:bodyPr/>
+                    <a:lstStyle/>
+                    <a:p>
+                      <a:r>
+                        <a:rPr lang="en-GB" sz="1200" b="1" dirty="0"/>
+                        <a:t>B</a:t>
+                      </a:r>
+                      <a:r>
+                        <a:rPr lang="en-GB" sz="1200" b="1" baseline="-25000" dirty="0"/>
+                        <a:t>4,1</a:t>
+                      </a:r>
+                      <a:endParaRPr lang="en-GB" sz="1200" b="1" dirty="0"/>
+                    </a:p>
+                  </a:txBody>
+                  <a:tcPr anchor="ctr"/>
+                </a:tc>
+                <a:tc>
+                  <a:txBody>
+                    <a:bodyPr/>
+                    <a:lstStyle/>
+                    <a:p>
+                      <a:r>
+                        <a:rPr lang="en-GB" sz="1200" b="1" dirty="0"/>
+                        <a:t>B</a:t>
+                      </a:r>
+                      <a:r>
+                        <a:rPr lang="en-GB" sz="1200" b="1" baseline="-25000" dirty="0"/>
+                        <a:t>4,2</a:t>
+                      </a:r>
+                      <a:endParaRPr lang="en-GB" sz="1200" b="1" dirty="0"/>
+                    </a:p>
+                  </a:txBody>
+                  <a:tcPr anchor="ctr"/>
+                </a:tc>
+                <a:tc>
+                  <a:txBody>
+                    <a:bodyPr/>
+                    <a:lstStyle/>
+                    <a:p>
+                      <a:r>
+                        <a:rPr lang="en-GB" sz="1200" b="1" dirty="0"/>
+                        <a:t>B</a:t>
+                      </a:r>
+                      <a:r>
+                        <a:rPr lang="en-GB" sz="1200" b="1" baseline="-25000" dirty="0"/>
+                        <a:t>4,3</a:t>
+                      </a:r>
+                      <a:endParaRPr lang="en-GB" sz="1200" b="1" dirty="0"/>
+                    </a:p>
+                  </a:txBody>
+                  <a:tcPr anchor="ctr"/>
+                </a:tc>
+                <a:tc>
+                  <a:txBody>
+                    <a:bodyPr/>
+                    <a:lstStyle/>
+                    <a:p>
+                      <a:r>
+                        <a:rPr lang="en-GB" sz="1200" b="1" dirty="0"/>
+                        <a:t>B</a:t>
+                      </a:r>
+                      <a:r>
+                        <a:rPr lang="en-GB" sz="1200" b="1" baseline="-25000" dirty="0"/>
+                        <a:t>4,4</a:t>
+                      </a:r>
+                      <a:endParaRPr lang="en-GB" sz="1200" b="1" dirty="0"/>
+                    </a:p>
+                  </a:txBody>
+                  <a:tcPr anchor="ctr"/>
+                </a:tc>
+                <a:tc>
+                  <a:txBody>
+                    <a:bodyPr/>
+                    <a:lstStyle/>
+                    <a:p>
+                      <a:r>
+                        <a:rPr lang="en-GB" sz="1200" b="1" dirty="0"/>
+                        <a:t>B</a:t>
+                      </a:r>
+                      <a:r>
+                        <a:rPr lang="en-GB" sz="1200" b="1" baseline="-25000" dirty="0"/>
+                        <a:t>4,5</a:t>
+                      </a:r>
+                      <a:endParaRPr lang="en-GB" sz="1200" b="1" dirty="0"/>
+                    </a:p>
+                  </a:txBody>
+                  <a:tcPr anchor="ctr"/>
+                </a:tc>
+                <a:tc>
+                  <a:txBody>
+                    <a:bodyPr/>
+                    <a:lstStyle/>
+                    <a:p>
+                      <a:r>
+                        <a:rPr lang="en-GB" sz="1200" b="1" dirty="0"/>
+                        <a:t>B</a:t>
+                      </a:r>
+                      <a:r>
+                        <a:rPr lang="en-GB" sz="1200" b="1" baseline="-25000" dirty="0"/>
+                        <a:t>4,6</a:t>
+                      </a:r>
+                      <a:endParaRPr lang="en-GB" sz="1200" b="1" dirty="0"/>
+                    </a:p>
+                  </a:txBody>
+                  <a:tcPr anchor="ctr"/>
+                </a:tc>
+                <a:extLst>
+                  <a:ext uri="{0D108BD9-81ED-4DB2-BD59-A6C34878D82A}">
+                    <a16:rowId xmlns:a16="http://schemas.microsoft.com/office/drawing/2014/main" val="878749725"/>
+                  </a:ext>
+                </a:extLst>
+              </a:tr>
+              <a:tr h="384424">
+                <a:tc>
+                  <a:txBody>
+                    <a:bodyPr/>
+                    <a:lstStyle/>
+                    <a:p>
+                      <a:r>
+                        <a:rPr lang="en-GB" sz="1200" b="1" dirty="0"/>
+                        <a:t>B</a:t>
+                      </a:r>
+                      <a:r>
+                        <a:rPr lang="en-GB" sz="1200" b="1" baseline="-25000" dirty="0"/>
+                        <a:t>5,1</a:t>
+                      </a:r>
+                      <a:endParaRPr lang="en-GB" sz="1200" b="1" dirty="0"/>
+                    </a:p>
+                  </a:txBody>
+                  <a:tcPr anchor="ctr"/>
+                </a:tc>
+                <a:tc>
+                  <a:txBody>
+                    <a:bodyPr/>
+                    <a:lstStyle/>
+                    <a:p>
+                      <a:r>
+                        <a:rPr lang="en-GB" sz="1200" b="1" dirty="0"/>
+                        <a:t>B</a:t>
+                      </a:r>
+                      <a:r>
+                        <a:rPr lang="en-GB" sz="1200" b="1" baseline="-25000" dirty="0"/>
+                        <a:t>5,2</a:t>
+                      </a:r>
+                      <a:endParaRPr lang="en-GB" sz="1200" b="1" dirty="0"/>
+                    </a:p>
+                  </a:txBody>
+                  <a:tcPr anchor="ctr"/>
+                </a:tc>
+                <a:tc>
+                  <a:txBody>
+                    <a:bodyPr/>
+                    <a:lstStyle/>
+                    <a:p>
+                      <a:r>
+                        <a:rPr lang="en-GB" sz="1200" b="1" dirty="0"/>
+                        <a:t>B</a:t>
+                      </a:r>
+                      <a:r>
+                        <a:rPr lang="en-GB" sz="1200" b="1" baseline="-25000" dirty="0"/>
+                        <a:t>5,3</a:t>
+                      </a:r>
+                      <a:endParaRPr lang="en-GB" sz="1200" b="1" dirty="0"/>
+                    </a:p>
+                  </a:txBody>
+                  <a:tcPr anchor="ctr"/>
+                </a:tc>
+                <a:tc>
+                  <a:txBody>
+                    <a:bodyPr/>
+                    <a:lstStyle/>
+                    <a:p>
+                      <a:r>
+                        <a:rPr lang="en-GB" sz="1200" b="1" dirty="0"/>
+                        <a:t>B</a:t>
+                      </a:r>
+                      <a:r>
+                        <a:rPr lang="en-GB" sz="1200" b="1" baseline="-25000" dirty="0"/>
+                        <a:t>5,4</a:t>
+                      </a:r>
+                      <a:endParaRPr lang="en-GB" sz="1200" b="1" dirty="0"/>
+                    </a:p>
+                  </a:txBody>
+                  <a:tcPr anchor="ctr"/>
+                </a:tc>
+                <a:tc>
+                  <a:txBody>
+                    <a:bodyPr/>
+                    <a:lstStyle/>
+                    <a:p>
+                      <a:r>
+                        <a:rPr lang="en-GB" sz="1200" b="1" dirty="0"/>
+                        <a:t>B</a:t>
+                      </a:r>
+                      <a:r>
+                        <a:rPr lang="en-GB" sz="1200" b="1" baseline="-25000" dirty="0"/>
+                        <a:t>5,5</a:t>
+                      </a:r>
+                      <a:endParaRPr lang="en-GB" sz="1200" b="1" dirty="0"/>
+                    </a:p>
+                  </a:txBody>
+                  <a:tcPr anchor="ctr"/>
+                </a:tc>
+                <a:tc>
+                  <a:txBody>
+                    <a:bodyPr/>
+                    <a:lstStyle/>
+                    <a:p>
+                      <a:r>
+                        <a:rPr lang="en-GB" sz="1200" b="1" dirty="0"/>
+                        <a:t>B</a:t>
+                      </a:r>
+                      <a:r>
+                        <a:rPr lang="en-GB" sz="1200" b="1" baseline="-25000" dirty="0"/>
+                        <a:t>5,6</a:t>
+                      </a:r>
+                      <a:endParaRPr lang="en-GB" sz="1200" b="1" dirty="0"/>
+                    </a:p>
+                  </a:txBody>
+                  <a:tcPr anchor="ctr"/>
+                </a:tc>
+                <a:extLst>
+                  <a:ext uri="{0D108BD9-81ED-4DB2-BD59-A6C34878D82A}">
+                    <a16:rowId xmlns:a16="http://schemas.microsoft.com/office/drawing/2014/main" val="2053674014"/>
+                  </a:ext>
+                </a:extLst>
+              </a:tr>
+              <a:tr h="384424">
+                <a:tc>
+                  <a:txBody>
+                    <a:bodyPr/>
+                    <a:lstStyle/>
+                    <a:p>
+                      <a:r>
+                        <a:rPr lang="en-GB" sz="1200" b="1" dirty="0"/>
+                        <a:t>B</a:t>
+                      </a:r>
+                      <a:r>
+                        <a:rPr lang="en-GB" sz="1200" b="1" baseline="-25000" dirty="0"/>
+                        <a:t>6,1</a:t>
+                      </a:r>
+                      <a:endParaRPr lang="en-GB" sz="1200" b="1" dirty="0"/>
+                    </a:p>
+                  </a:txBody>
+                  <a:tcPr anchor="ctr"/>
+                </a:tc>
+                <a:tc>
+                  <a:txBody>
+                    <a:bodyPr/>
+                    <a:lstStyle/>
+                    <a:p>
+                      <a:r>
+                        <a:rPr lang="en-GB" sz="1200" b="1" dirty="0"/>
+                        <a:t>B</a:t>
+                      </a:r>
+                      <a:r>
+                        <a:rPr lang="en-GB" sz="1200" b="1" baseline="-25000" dirty="0"/>
+                        <a:t>6,2</a:t>
+                      </a:r>
+                      <a:endParaRPr lang="en-GB" sz="1200" b="1" dirty="0"/>
+                    </a:p>
+                  </a:txBody>
+                  <a:tcPr anchor="ctr"/>
+                </a:tc>
+                <a:tc>
+                  <a:txBody>
+                    <a:bodyPr/>
+                    <a:lstStyle/>
+                    <a:p>
+                      <a:r>
+                        <a:rPr lang="en-GB" sz="1200" b="1" dirty="0"/>
+                        <a:t>B</a:t>
+                      </a:r>
+                      <a:r>
+                        <a:rPr lang="en-GB" sz="1200" b="1" baseline="-25000" dirty="0"/>
+                        <a:t>6,3</a:t>
+                      </a:r>
+                      <a:endParaRPr lang="en-GB" sz="1200" b="1" dirty="0"/>
+                    </a:p>
+                  </a:txBody>
+                  <a:tcPr anchor="ctr"/>
+                </a:tc>
+                <a:tc>
+                  <a:txBody>
+                    <a:bodyPr/>
+                    <a:lstStyle/>
+                    <a:p>
+                      <a:r>
+                        <a:rPr lang="en-GB" sz="1200" b="1" dirty="0"/>
+                        <a:t>B</a:t>
+                      </a:r>
+                      <a:r>
+                        <a:rPr lang="en-GB" sz="1200" b="1" baseline="-25000" dirty="0"/>
+                        <a:t>6,4</a:t>
+                      </a:r>
+                      <a:endParaRPr lang="en-GB" sz="1200" b="1" dirty="0"/>
+                    </a:p>
+                  </a:txBody>
+                  <a:tcPr anchor="ctr"/>
+                </a:tc>
+                <a:tc>
+                  <a:txBody>
+                    <a:bodyPr/>
+                    <a:lstStyle/>
+                    <a:p>
+                      <a:r>
+                        <a:rPr lang="en-GB" sz="1200" b="1" dirty="0"/>
+                        <a:t>B</a:t>
+                      </a:r>
+                      <a:r>
+                        <a:rPr lang="en-GB" sz="1200" b="1" baseline="-25000" dirty="0"/>
+                        <a:t>6,5</a:t>
+                      </a:r>
+                      <a:endParaRPr lang="en-GB" sz="1200" b="1" dirty="0"/>
+                    </a:p>
+                  </a:txBody>
+                  <a:tcPr anchor="ctr"/>
+                </a:tc>
+                <a:tc>
+                  <a:txBody>
+                    <a:bodyPr/>
+                    <a:lstStyle/>
+                    <a:p>
+                      <a:r>
+                        <a:rPr lang="en-GB" sz="1200" b="1" dirty="0"/>
+                        <a:t>B</a:t>
+                      </a:r>
+                      <a:r>
+                        <a:rPr lang="en-GB" sz="1200" b="1" baseline="-25000" dirty="0"/>
+                        <a:t>6,6</a:t>
+                      </a:r>
+                      <a:endParaRPr lang="en-GB" sz="1200" b="1" dirty="0"/>
+                    </a:p>
+                  </a:txBody>
+                  <a:tcPr anchor="ctr"/>
+                </a:tc>
+                <a:extLst>
+                  <a:ext uri="{0D108BD9-81ED-4DB2-BD59-A6C34878D82A}">
+                    <a16:rowId xmlns:a16="http://schemas.microsoft.com/office/drawing/2014/main" val="3515302674"/>
+                  </a:ext>
+                </a:extLst>
+              </a:tr>
+            </a:tbl>
+          </a:graphicData>
+        </a:graphic>
+      </p:graphicFrame>
+    </p:spTree>
+    <p:extLst>
+      <p:ext uri="{BB962C8B-B14F-4D97-AF65-F5344CB8AC3E}">
+        <p14:creationId xmlns:p14="http://schemas.microsoft.com/office/powerpoint/2010/main" val="329382032"/>
+      </p:ext>
+    </p:extLst>
+  </p:cSld>
+  <p:clrMapOvr>
+    <a:masterClrMapping/>
+  </p:clrMapOvr>
+  <p:timing>
+    <p:tnLst>
+      <p:par>
+        <p:cTn id="1" dur="indefinite" restart="never" nodeType="tmRoot">
+          <p:childTnLst>
+            <p:seq concurrent="1" nextAc="seek">
+              <p:cTn id="2" dur="indefinite" nodeType="mainSeq">
+                <p:childTnLst>
+                  <p:par>
+                    <p:cTn id="3" fill="hold">
+                      <p:stCondLst>
+                        <p:cond delay="indefinite"/>
+                      </p:stCondLst>
+                      <p:childTnLst>
+                        <p:par>
+                          <p:cTn id="4" fill="hold">
+                            <p:stCondLst>
+                              <p:cond delay="0"/>
+                            </p:stCondLst>
+                            <p:childTnLst>
+                              <p:par>
+                                <p:cTn id="5" presetID="1" presetClass="entr" presetSubtype="0" fill="hold" nodeType="clickEffect">
+                                  <p:stCondLst>
+                                    <p:cond delay="0"/>
+                                  </p:stCondLst>
+                                  <p:childTnLst>
+                                    <p:set>
+                                      <p:cBhvr>
+                                        <p:cTn id="6" dur="1" fill="hold">
+                                          <p:stCondLst>
+                                            <p:cond delay="0"/>
+                                          </p:stCondLst>
+                                        </p:cTn>
+                                        <p:tgtEl>
+                                          <p:spTgt spid="4"/>
+                                        </p:tgtEl>
+                                        <p:attrNameLst>
+                                          <p:attrName>style.visibility</p:attrName>
+                                        </p:attrNameLst>
+                                      </p:cBhvr>
+                                      <p:to>
+                                        <p:strVal val="visible"/>
+                                      </p:to>
+                                    </p:set>
+                                  </p:childTnLst>
+                                </p:cTn>
+                              </p:par>
+                              <p:par>
+                                <p:cTn id="7" presetID="1" presetClass="entr" presetSubtype="0" fill="hold" nodeType="withEffect">
+                                  <p:stCondLst>
+                                    <p:cond delay="0"/>
+                                  </p:stCondLst>
+                                  <p:childTnLst>
+                                    <p:set>
+                                      <p:cBhvr>
+                                        <p:cTn id="8" dur="1" fill="hold">
+                                          <p:stCondLst>
+                                            <p:cond delay="0"/>
+                                          </p:stCondLst>
+                                        </p:cTn>
+                                        <p:tgtEl>
+                                          <p:spTgt spid="18"/>
+                                        </p:tgtEl>
+                                        <p:attrNameLst>
+                                          <p:attrName>style.visibility</p:attrName>
+                                        </p:attrNameLst>
+                                      </p:cBhvr>
+                                      <p:to>
+                                        <p:strVal val="visible"/>
+                                      </p:to>
+                                    </p:set>
+                                  </p:childTnLst>
+                                </p:cTn>
+                              </p:par>
+                            </p:childTnLst>
+                          </p:cTn>
+                        </p:par>
+                      </p:childTnLst>
+                    </p:cTn>
+                  </p:par>
+                  <p:par>
+                    <p:cTn id="9" fill="hold">
+                      <p:stCondLst>
+                        <p:cond delay="indefinite"/>
+                      </p:stCondLst>
+                      <p:childTnLst>
+                        <p:par>
+                          <p:cTn id="10" fill="hold">
+                            <p:stCondLst>
+                              <p:cond delay="0"/>
+                            </p:stCondLst>
+                            <p:childTnLst>
+                              <p:par>
+                                <p:cTn id="11" presetID="1" presetClass="entr" presetSubtype="0" fill="hold" nodeType="clickEffect">
+                                  <p:stCondLst>
+                                    <p:cond delay="0"/>
+                                  </p:stCondLst>
+                                  <p:childTnLst>
+                                    <p:set>
+                                      <p:cBhvr>
+                                        <p:cTn id="12" dur="1" fill="hold">
+                                          <p:stCondLst>
+                                            <p:cond delay="0"/>
+                                          </p:stCondLst>
+                                        </p:cTn>
+                                        <p:tgtEl>
+                                          <p:spTgt spid="16"/>
+                                        </p:tgtEl>
+                                        <p:attrNameLst>
+                                          <p:attrName>style.visibility</p:attrName>
+                                        </p:attrNameLst>
+                                      </p:cBhvr>
+                                      <p:to>
+                                        <p:strVal val="visible"/>
+                                      </p:to>
+                                    </p:set>
+                                  </p:childTnLst>
+                                </p:cTn>
+                              </p:par>
+                              <p:par>
+                                <p:cTn id="13" presetID="1" presetClass="entr" presetSubtype="0" fill="hold" grpId="0" nodeType="withEffect">
+                                  <p:stCondLst>
+                                    <p:cond delay="0"/>
+                                  </p:stCondLst>
+                                  <p:childTnLst>
+                                    <p:set>
+                                      <p:cBhvr>
+                                        <p:cTn id="14" dur="1" fill="hold">
+                                          <p:stCondLst>
+                                            <p:cond delay="0"/>
+                                          </p:stCondLst>
+                                        </p:cTn>
+                                        <p:tgtEl>
+                                          <p:spTgt spid="17"/>
+                                        </p:tgtEl>
+                                        <p:attrNameLst>
+                                          <p:attrName>style.visibility</p:attrName>
+                                        </p:attrNameLst>
+                                      </p:cBhvr>
+                                      <p:to>
+                                        <p:strVal val="visible"/>
+                                      </p:to>
+                                    </p:set>
+                                  </p:childTnLst>
+                                </p:cTn>
+                              </p:par>
+                            </p:childTnLst>
+                          </p:cTn>
+                        </p:par>
+                      </p:childTnLst>
+                    </p:cTn>
+                  </p:par>
+                </p:childTnLst>
+              </p:cTn>
+              <p:prevCondLst>
+                <p:cond evt="onPrev" delay="0">
+                  <p:tgtEl>
+                    <p:sldTgt/>
+                  </p:tgtEl>
+                </p:cond>
+              </p:prevCondLst>
+              <p:nextCondLst>
+                <p:cond evt="onNext" delay="0">
+                  <p:tgtEl>
+                    <p:sldTgt/>
+                  </p:tgtEl>
+                </p:cond>
+              </p:nextCondLst>
+            </p:seq>
+          </p:childTnLst>
+        </p:cTn>
+      </p:par>
+    </p:tnLst>
+    <p:bldLst>
+      <p:bldP spid="17" grpId="0"/>
+    </p:bldLst>
+  </p:timing>
+</p:sld>
+</file>
+
+<file path=ppt/slides/slide6.xml><?xml version="1.0" encoding="utf-8"?>
+<p:sld xmlns:a="http://schemas.openxmlformats.org/drawingml/2006/main" xmlns:r="http://schemas.openxmlformats.org/officeDocument/2006/relationships" xmlns:p="http://schemas.openxmlformats.org/presentationml/2006/main">
+  <p:cSld>
     <p:bg>
       <p:bgPr>
         <a:solidFill>
@@ -6450,7 +8952,7 @@
       </p:grpSpPr>
       <p:sp>
         <p:nvSpPr>
-          <p:cNvPr id="10" name="Rectangle 9">
+          <p:cNvPr id="30" name="Rectangle 29">
             <a:extLst>
               <a:ext uri="{FF2B5EF4-FFF2-40B4-BE49-F238E27FC236}">
                 <a16:creationId xmlns:a16="http://schemas.microsoft.com/office/drawing/2014/main" id="{904DB13E-F722-4ED6-BB00-556651E95281}"/>
@@ -6516,7 +9018,7 @@
       </p:sp>
       <p:sp useBgFill="1">
         <p:nvSpPr>
-          <p:cNvPr id="12" name="Rectangle 11">
+          <p:cNvPr id="32" name="Rectangle 31">
             <a:extLst>
               <a:ext uri="{FF2B5EF4-FFF2-40B4-BE49-F238E27FC236}">
                 <a16:creationId xmlns:a16="http://schemas.microsoft.com/office/drawing/2014/main" id="{1419E3D9-C5FB-41A9-B6D2-DFB210BB6211}"/>
@@ -6561,7 +9063,7 @@
       </p:sp>
       <p:sp>
         <p:nvSpPr>
-          <p:cNvPr id="14" name="Rectangle 13">
+          <p:cNvPr id="34" name="Rectangle 33">
             <a:extLst>
               <a:ext uri="{FF2B5EF4-FFF2-40B4-BE49-F238E27FC236}">
                 <a16:creationId xmlns:a16="http://schemas.microsoft.com/office/drawing/2014/main" id="{367909BF-1DF7-4ACE-8F58-6CF719BB27E5}"/>
@@ -6606,7 +9108,7 @@
       </p:sp>
       <p:sp>
         <p:nvSpPr>
-          <p:cNvPr id="16" name="Rectangle 15">
+          <p:cNvPr id="36" name="Rectangle 35">
             <a:extLst>
               <a:ext uri="{FF2B5EF4-FFF2-40B4-BE49-F238E27FC236}">
                 <a16:creationId xmlns:a16="http://schemas.microsoft.com/office/drawing/2014/main" id="{89E8BEDB-0BBC-4F21-9CFB-8530D664C343}"/>
@@ -6661,7 +9163,7 @@
       </p:sp>
       <p:grpSp>
         <p:nvGrpSpPr>
-          <p:cNvPr id="18" name="Group 17">
+          <p:cNvPr id="38" name="Group 37">
             <a:extLst>
               <a:ext uri="{FF2B5EF4-FFF2-40B4-BE49-F238E27FC236}">
                 <a16:creationId xmlns:a16="http://schemas.microsoft.com/office/drawing/2014/main" id="{E26428D7-C6F3-473D-A360-A3F5C3E8728C}"/>
@@ -6692,7 +9194,7 @@
         </p:grpSpPr>
         <p:cxnSp>
           <p:nvCxnSpPr>
-            <p:cNvPr id="19" name="Straight Connector 18">
+            <p:cNvPr id="39" name="Straight Connector 38">
               <a:extLst>
                 <a:ext uri="{FF2B5EF4-FFF2-40B4-BE49-F238E27FC236}">
                   <a16:creationId xmlns:a16="http://schemas.microsoft.com/office/drawing/2014/main" id="{51D6D676-6F2F-4446-9935-2D8D0382147E}"/>
@@ -6749,7 +9251,7 @@
         </p:cxnSp>
         <p:cxnSp>
           <p:nvCxnSpPr>
-            <p:cNvPr id="20" name="Straight Connector 19">
+            <p:cNvPr id="40" name="Straight Connector 39">
               <a:extLst>
                 <a:ext uri="{FF2B5EF4-FFF2-40B4-BE49-F238E27FC236}">
                   <a16:creationId xmlns:a16="http://schemas.microsoft.com/office/drawing/2014/main" id="{E9BAEA2B-9C25-4B43-8C9A-A9D0C3E9B15A}"/>
@@ -6806,7 +9308,7 @@
         </p:cxnSp>
         <p:cxnSp>
           <p:nvCxnSpPr>
-            <p:cNvPr id="21" name="Straight Connector 20">
+            <p:cNvPr id="41" name="Straight Connector 40">
               <a:extLst>
                 <a:ext uri="{FF2B5EF4-FFF2-40B4-BE49-F238E27FC236}">
                   <a16:creationId xmlns:a16="http://schemas.microsoft.com/office/drawing/2014/main" id="{21FC5F3A-7F1A-4EE8-A913-C8E96ACC3C5C}"/>
@@ -6864,7 +9366,7 @@
       </p:grpSp>
       <p:sp>
         <p:nvSpPr>
-          <p:cNvPr id="23" name="Rectangle 22">
+          <p:cNvPr id="43" name="Rectangle 42">
             <a:extLst>
               <a:ext uri="{FF2B5EF4-FFF2-40B4-BE49-F238E27FC236}">
                 <a16:creationId xmlns:a16="http://schemas.microsoft.com/office/drawing/2014/main" id="{420551B3-B4DA-48EE-988C-4FAEAEB5CE98}"/>
@@ -6930,10 +9432,10 @@
       </p:sp>
       <p:pic>
         <p:nvPicPr>
-          <p:cNvPr id="5" name="Picture 4" descr="A close up of a map&#10;&#10;Description automatically generated">
+          <p:cNvPr id="15" name="Picture 14" descr="A picture containing map, different, boat, water&#10;&#10;Description automatically generated">
             <a:extLst>
               <a:ext uri="{FF2B5EF4-FFF2-40B4-BE49-F238E27FC236}">
-                <a16:creationId xmlns:a16="http://schemas.microsoft.com/office/drawing/2014/main" id="{65C2869B-F92A-4630-9F6A-0AEE1D02702F}"/>
+                <a16:creationId xmlns:a16="http://schemas.microsoft.com/office/drawing/2014/main" id="{1652FC37-37F4-4697-BF9F-FE38482A323B}"/>
               </a:ext>
             </a:extLst>
           </p:cNvPr>
@@ -6950,13 +9452,13 @@
               </a:ext>
             </a:extLst>
           </a:blip>
-          <a:srcRect l="9333" t="1" r="6306" b="1"/>
+          <a:srcRect l="9333" r="1" b="1"/>
           <a:stretch/>
         </p:blipFill>
         <p:spPr>
           <a:xfrm>
-            <a:off x="379863" y="-7289"/>
-            <a:ext cx="11344276" cy="6857988"/>
+            <a:off x="221942" y="10"/>
+            <a:ext cx="11736280" cy="6857988"/>
           </a:xfrm>
           <a:prstGeom prst="rect">
             <a:avLst/>
@@ -6965,7 +9467,7 @@
       </p:pic>
       <p:sp>
         <p:nvSpPr>
-          <p:cNvPr id="25" name="Rectangle 24">
+          <p:cNvPr id="45" name="Rectangle 44">
             <a:extLst>
               <a:ext uri="{FF2B5EF4-FFF2-40B4-BE49-F238E27FC236}">
                 <a16:creationId xmlns:a16="http://schemas.microsoft.com/office/drawing/2014/main" id="{0B121716-8B64-478F-ABDB-17030AD1B711}"/>
@@ -7088,7 +9590,7 @@
               </a:lnSpc>
             </a:pPr>
             <a:r>
-              <a:rPr lang="en-US" sz="4400" b="0" cap="all" spc="-100">
+              <a:rPr lang="en-US" sz="4400" b="0" cap="all" spc="-100" dirty="0">
                 <a:solidFill>
                   <a:schemeClr val="tx1"/>
                 </a:solidFill>
@@ -7111,7 +9613,7 @@
 </p:sld>
 </file>
 
-<file path=ppt/slides/slide6.xml><?xml version="1.0" encoding="utf-8"?>
+<file path=ppt/slides/slide7.xml><?xml version="1.0" encoding="utf-8"?>
 <p:sld xmlns:a="http://schemas.openxmlformats.org/drawingml/2006/main" xmlns:r="http://schemas.openxmlformats.org/officeDocument/2006/relationships" xmlns:p="http://schemas.openxmlformats.org/presentationml/2006/main">
   <p:cSld>
     <p:spTree>
@@ -7146,18 +9648,30 @@
         </p:nvSpPr>
         <p:spPr>
           <a:xfrm>
-            <a:off x="1066800" y="2515782"/>
-            <a:ext cx="10058400" cy="1371600"/>
+            <a:off x="1066800" y="2134042"/>
+            <a:ext cx="10058400" cy="2855208"/>
           </a:xfrm>
         </p:spPr>
         <p:txBody>
-          <a:bodyPr/>
+          <a:bodyPr>
+            <a:normAutofit/>
+          </a:bodyPr>
           <a:lstStyle/>
           <a:p>
             <a:pPr algn="ctr"/>
             <a:r>
               <a:rPr lang="en-GB" dirty="0"/>
               <a:t>THANK YOU</a:t>
+            </a:r>
+            <a:br>
+              <a:rPr lang="en-GB" dirty="0"/>
+            </a:br>
+            <a:br>
+              <a:rPr lang="en-GB" dirty="0"/>
+            </a:br>
+            <a:r>
+              <a:rPr lang="en-GB" dirty="0"/>
+              <a:t>Questions?</a:t>
             </a:r>
           </a:p>
         </p:txBody>
